--- a/Ch2OOP/tracker.pptx
+++ b/Ch2OOP/tracker.pptx
@@ -288,6 +288,7 @@
           <a:p>
             <a:fld id="{0BF082C9-9648-4404-A278-BF68CA761A07}" type="datetimeFigureOut">
               <a:rPr lang="ru-RU" smtClean="0"/>
+              <a:pPr/>
               <a:t>14.08.2016</a:t>
             </a:fld>
             <a:endParaRPr lang="ru-RU"/>
@@ -330,6 +331,7 @@
           <a:p>
             <a:fld id="{C7DC6821-B00F-4B71-A77D-16034855CEB0}" type="slidenum">
               <a:rPr lang="ru-RU" smtClean="0"/>
+              <a:pPr/>
               <a:t>‹#›</a:t>
             </a:fld>
             <a:endParaRPr lang="ru-RU"/>
@@ -453,6 +455,7 @@
           <a:p>
             <a:fld id="{0BF082C9-9648-4404-A278-BF68CA761A07}" type="datetimeFigureOut">
               <a:rPr lang="ru-RU" smtClean="0"/>
+              <a:pPr/>
               <a:t>14.08.2016</a:t>
             </a:fld>
             <a:endParaRPr lang="ru-RU"/>
@@ -495,6 +498,7 @@
           <a:p>
             <a:fld id="{C7DC6821-B00F-4B71-A77D-16034855CEB0}" type="slidenum">
               <a:rPr lang="ru-RU" smtClean="0"/>
+              <a:pPr/>
               <a:t>‹#›</a:t>
             </a:fld>
             <a:endParaRPr lang="ru-RU"/>
@@ -628,6 +632,7 @@
           <a:p>
             <a:fld id="{0BF082C9-9648-4404-A278-BF68CA761A07}" type="datetimeFigureOut">
               <a:rPr lang="ru-RU" smtClean="0"/>
+              <a:pPr/>
               <a:t>14.08.2016</a:t>
             </a:fld>
             <a:endParaRPr lang="ru-RU"/>
@@ -670,6 +675,7 @@
           <a:p>
             <a:fld id="{C7DC6821-B00F-4B71-A77D-16034855CEB0}" type="slidenum">
               <a:rPr lang="ru-RU" smtClean="0"/>
+              <a:pPr/>
               <a:t>‹#›</a:t>
             </a:fld>
             <a:endParaRPr lang="ru-RU"/>
@@ -793,6 +799,7 @@
           <a:p>
             <a:fld id="{0BF082C9-9648-4404-A278-BF68CA761A07}" type="datetimeFigureOut">
               <a:rPr lang="ru-RU" smtClean="0"/>
+              <a:pPr/>
               <a:t>14.08.2016</a:t>
             </a:fld>
             <a:endParaRPr lang="ru-RU"/>
@@ -835,6 +842,7 @@
           <a:p>
             <a:fld id="{C7DC6821-B00F-4B71-A77D-16034855CEB0}" type="slidenum">
               <a:rPr lang="ru-RU" smtClean="0"/>
+              <a:pPr/>
               <a:t>‹#›</a:t>
             </a:fld>
             <a:endParaRPr lang="ru-RU"/>
@@ -1034,6 +1042,7 @@
           <a:p>
             <a:fld id="{0BF082C9-9648-4404-A278-BF68CA761A07}" type="datetimeFigureOut">
               <a:rPr lang="ru-RU" smtClean="0"/>
+              <a:pPr/>
               <a:t>14.08.2016</a:t>
             </a:fld>
             <a:endParaRPr lang="ru-RU"/>
@@ -1076,6 +1085,7 @@
           <a:p>
             <a:fld id="{C7DC6821-B00F-4B71-A77D-16034855CEB0}" type="slidenum">
               <a:rPr lang="ru-RU" smtClean="0"/>
+              <a:pPr/>
               <a:t>‹#›</a:t>
             </a:fld>
             <a:endParaRPr lang="ru-RU"/>
@@ -1317,6 +1327,7 @@
           <a:p>
             <a:fld id="{0BF082C9-9648-4404-A278-BF68CA761A07}" type="datetimeFigureOut">
               <a:rPr lang="ru-RU" smtClean="0"/>
+              <a:pPr/>
               <a:t>14.08.2016</a:t>
             </a:fld>
             <a:endParaRPr lang="ru-RU"/>
@@ -1359,6 +1370,7 @@
           <a:p>
             <a:fld id="{C7DC6821-B00F-4B71-A77D-16034855CEB0}" type="slidenum">
               <a:rPr lang="ru-RU" smtClean="0"/>
+              <a:pPr/>
               <a:t>‹#›</a:t>
             </a:fld>
             <a:endParaRPr lang="ru-RU"/>
@@ -1734,6 +1746,7 @@
           <a:p>
             <a:fld id="{0BF082C9-9648-4404-A278-BF68CA761A07}" type="datetimeFigureOut">
               <a:rPr lang="ru-RU" smtClean="0"/>
+              <a:pPr/>
               <a:t>14.08.2016</a:t>
             </a:fld>
             <a:endParaRPr lang="ru-RU"/>
@@ -1776,6 +1789,7 @@
           <a:p>
             <a:fld id="{C7DC6821-B00F-4B71-A77D-16034855CEB0}" type="slidenum">
               <a:rPr lang="ru-RU" smtClean="0"/>
+              <a:pPr/>
               <a:t>‹#›</a:t>
             </a:fld>
             <a:endParaRPr lang="ru-RU"/>
@@ -1847,6 +1861,7 @@
           <a:p>
             <a:fld id="{0BF082C9-9648-4404-A278-BF68CA761A07}" type="datetimeFigureOut">
               <a:rPr lang="ru-RU" smtClean="0"/>
+              <a:pPr/>
               <a:t>14.08.2016</a:t>
             </a:fld>
             <a:endParaRPr lang="ru-RU"/>
@@ -1889,6 +1904,7 @@
           <a:p>
             <a:fld id="{C7DC6821-B00F-4B71-A77D-16034855CEB0}" type="slidenum">
               <a:rPr lang="ru-RU" smtClean="0"/>
+              <a:pPr/>
               <a:t>‹#›</a:t>
             </a:fld>
             <a:endParaRPr lang="ru-RU"/>
@@ -1937,6 +1953,7 @@
           <a:p>
             <a:fld id="{0BF082C9-9648-4404-A278-BF68CA761A07}" type="datetimeFigureOut">
               <a:rPr lang="ru-RU" smtClean="0"/>
+              <a:pPr/>
               <a:t>14.08.2016</a:t>
             </a:fld>
             <a:endParaRPr lang="ru-RU"/>
@@ -1979,6 +1996,7 @@
           <a:p>
             <a:fld id="{C7DC6821-B00F-4B71-A77D-16034855CEB0}" type="slidenum">
               <a:rPr lang="ru-RU" smtClean="0"/>
+              <a:pPr/>
               <a:t>‹#›</a:t>
             </a:fld>
             <a:endParaRPr lang="ru-RU"/>
@@ -2209,6 +2227,7 @@
           <a:p>
             <a:fld id="{0BF082C9-9648-4404-A278-BF68CA761A07}" type="datetimeFigureOut">
               <a:rPr lang="ru-RU" smtClean="0"/>
+              <a:pPr/>
               <a:t>14.08.2016</a:t>
             </a:fld>
             <a:endParaRPr lang="ru-RU"/>
@@ -2251,6 +2270,7 @@
           <a:p>
             <a:fld id="{C7DC6821-B00F-4B71-A77D-16034855CEB0}" type="slidenum">
               <a:rPr lang="ru-RU" smtClean="0"/>
+              <a:pPr/>
               <a:t>‹#›</a:t>
             </a:fld>
             <a:endParaRPr lang="ru-RU"/>
@@ -2457,6 +2477,7 @@
           <a:p>
             <a:fld id="{0BF082C9-9648-4404-A278-BF68CA761A07}" type="datetimeFigureOut">
               <a:rPr lang="ru-RU" smtClean="0"/>
+              <a:pPr/>
               <a:t>14.08.2016</a:t>
             </a:fld>
             <a:endParaRPr lang="ru-RU"/>
@@ -2499,6 +2520,7 @@
           <a:p>
             <a:fld id="{C7DC6821-B00F-4B71-A77D-16034855CEB0}" type="slidenum">
               <a:rPr lang="ru-RU" smtClean="0"/>
+              <a:pPr/>
               <a:t>‹#›</a:t>
             </a:fld>
             <a:endParaRPr lang="ru-RU"/>
@@ -2665,6 +2687,7 @@
           <a:p>
             <a:fld id="{0BF082C9-9648-4404-A278-BF68CA761A07}" type="datetimeFigureOut">
               <a:rPr lang="ru-RU" smtClean="0"/>
+              <a:pPr/>
               <a:t>14.08.2016</a:t>
             </a:fld>
             <a:endParaRPr lang="ru-RU"/>
@@ -2743,6 +2766,7 @@
           <a:p>
             <a:fld id="{C7DC6821-B00F-4B71-A77D-16034855CEB0}" type="slidenum">
               <a:rPr lang="ru-RU" smtClean="0"/>
+              <a:pPr/>
               <a:t>‹#›</a:t>
             </a:fld>
             <a:endParaRPr lang="ru-RU"/>
@@ -3043,7 +3067,7 @@
         </p:nvSpPr>
         <p:spPr>
           <a:xfrm>
-            <a:off x="928662" y="357166"/>
+            <a:off x="785786" y="857232"/>
             <a:ext cx="2714644" cy="642942"/>
           </a:xfrm>
           <a:prstGeom prst="rect">
@@ -3138,8 +3162,8 @@
         </p:nvSpPr>
         <p:spPr>
           <a:xfrm>
-            <a:off x="642910" y="4786322"/>
-            <a:ext cx="5214974" cy="1428760"/>
+            <a:off x="357158" y="4714884"/>
+            <a:ext cx="5000660" cy="1428760"/>
           </a:xfrm>
           <a:prstGeom prst="rect">
             <a:avLst/>
@@ -3275,7 +3299,7 @@
         </p:nvSpPr>
         <p:spPr>
           <a:xfrm>
-            <a:off x="4071934" y="285728"/>
+            <a:off x="4929190" y="214290"/>
             <a:ext cx="4071966" cy="4286280"/>
           </a:xfrm>
           <a:prstGeom prst="rect">
@@ -3530,6 +3554,77 @@
           </a:p>
         </p:txBody>
       </p:sp>
+      <p:cxnSp>
+        <p:nvCxnSpPr>
+          <p:cNvPr id="11" name="Прямая со стрелкой 10"/>
+          <p:cNvCxnSpPr>
+            <a:stCxn id="5" idx="3"/>
+          </p:cNvCxnSpPr>
+          <p:nvPr/>
+        </p:nvCxnSpPr>
+        <p:spPr>
+          <a:xfrm>
+            <a:off x="3500430" y="1178703"/>
+            <a:ext cx="1428760" cy="750099"/>
+          </a:xfrm>
+          <a:prstGeom prst="straightConnector1">
+            <a:avLst/>
+          </a:prstGeom>
+          <a:ln>
+            <a:tailEnd type="arrow"/>
+          </a:ln>
+        </p:spPr>
+        <p:style>
+          <a:lnRef idx="1">
+            <a:schemeClr val="accent1"/>
+          </a:lnRef>
+          <a:fillRef idx="0">
+            <a:schemeClr val="accent1"/>
+          </a:fillRef>
+          <a:effectRef idx="0">
+            <a:schemeClr val="accent1"/>
+          </a:effectRef>
+          <a:fontRef idx="minor">
+            <a:schemeClr val="tx1"/>
+          </a:fontRef>
+        </p:style>
+      </p:cxnSp>
+      <p:cxnSp>
+        <p:nvCxnSpPr>
+          <p:cNvPr id="13" name="Прямая со стрелкой 12"/>
+          <p:cNvCxnSpPr>
+            <a:stCxn id="8" idx="1"/>
+            <a:endCxn id="7" idx="0"/>
+          </p:cNvCxnSpPr>
+          <p:nvPr/>
+        </p:nvCxnSpPr>
+        <p:spPr>
+          <a:xfrm rot="10800000" flipV="1">
+            <a:off x="2857488" y="2357430"/>
+            <a:ext cx="2071702" cy="2357454"/>
+          </a:xfrm>
+          <a:prstGeom prst="straightConnector1">
+            <a:avLst/>
+          </a:prstGeom>
+          <a:ln>
+            <a:tailEnd type="arrow"/>
+          </a:ln>
+        </p:spPr>
+        <p:style>
+          <a:lnRef idx="1">
+            <a:schemeClr val="accent1"/>
+          </a:lnRef>
+          <a:fillRef idx="0">
+            <a:schemeClr val="accent1"/>
+          </a:fillRef>
+          <a:effectRef idx="0">
+            <a:schemeClr val="accent1"/>
+          </a:effectRef>
+          <a:fontRef idx="minor">
+            <a:schemeClr val="tx1"/>
+          </a:fontRef>
+        </p:style>
+      </p:cxnSp>
     </p:spTree>
   </p:cSld>
   <p:clrMapOvr>

--- a/Ch2OOP/tracker.pptx
+++ b/Ch2OOP/tracker.pptx
@@ -6,6 +6,7 @@
   </p:sldMasterIdLst>
   <p:sldIdLst>
     <p:sldId id="257" r:id="rId2"/>
+    <p:sldId id="258" r:id="rId3"/>
   </p:sldIdLst>
   <p:sldSz cx="9144000" cy="6858000" type="screen4x3"/>
   <p:notesSz cx="6858000" cy="9144000"/>
@@ -3625,6 +3626,2665 @@
           </a:fontRef>
         </p:style>
       </p:cxnSp>
+    </p:spTree>
+  </p:cSld>
+  <p:clrMapOvr>
+    <a:masterClrMapping/>
+  </p:clrMapOvr>
+</p:sld>
+</file>
+
+<file path=ppt/slides/slide2.xml><?xml version="1.0" encoding="utf-8"?>
+<p:sld xmlns:a="http://schemas.openxmlformats.org/drawingml/2006/main" xmlns:r="http://schemas.openxmlformats.org/officeDocument/2006/relationships" xmlns:p="http://schemas.openxmlformats.org/presentationml/2006/main">
+  <p:cSld>
+    <p:spTree>
+      <p:nvGrpSpPr>
+        <p:cNvPr id="1" name=""/>
+        <p:cNvGrpSpPr/>
+        <p:nvPr/>
+      </p:nvGrpSpPr>
+      <p:grpSpPr>
+        <a:xfrm>
+          <a:off x="0" y="0"/>
+          <a:ext cx="0" cy="0"/>
+          <a:chOff x="0" y="0"/>
+          <a:chExt cx="0" cy="0"/>
+        </a:xfrm>
+      </p:grpSpPr>
+      <p:sp>
+        <p:nvSpPr>
+          <p:cNvPr id="5" name="Прямоугольник 4"/>
+          <p:cNvSpPr/>
+          <p:nvPr/>
+        </p:nvSpPr>
+        <p:spPr>
+          <a:xfrm>
+            <a:off x="3857620" y="142852"/>
+            <a:ext cx="1071570" cy="285752"/>
+          </a:xfrm>
+          <a:prstGeom prst="rect">
+            <a:avLst/>
+          </a:prstGeom>
+        </p:spPr>
+        <p:style>
+          <a:lnRef idx="2">
+            <a:schemeClr val="accent1"/>
+          </a:lnRef>
+          <a:fillRef idx="1">
+            <a:schemeClr val="lt1"/>
+          </a:fillRef>
+          <a:effectRef idx="0">
+            <a:schemeClr val="accent1"/>
+          </a:effectRef>
+          <a:fontRef idx="minor">
+            <a:schemeClr val="dk1"/>
+          </a:fontRef>
+        </p:style>
+        <p:txBody>
+          <a:bodyPr rtlCol="0" anchor="ctr"/>
+          <a:lstStyle/>
+          <a:p>
+            <a:pPr algn="ctr"/>
+            <a:r>
+              <a:rPr lang="ru-RU" sz="1200" dirty="0" smtClean="0">
+                <a:latin typeface="Times New Roman" pitchFamily="18" charset="0"/>
+                <a:cs typeface="Times New Roman" pitchFamily="18" charset="0"/>
+              </a:rPr>
+              <a:t>Приветствие</a:t>
+            </a:r>
+            <a:endParaRPr lang="ru-RU" sz="1200" dirty="0">
+              <a:latin typeface="Times New Roman" pitchFamily="18" charset="0"/>
+              <a:cs typeface="Times New Roman" pitchFamily="18" charset="0"/>
+            </a:endParaRPr>
+          </a:p>
+        </p:txBody>
+      </p:sp>
+      <p:sp>
+        <p:nvSpPr>
+          <p:cNvPr id="6" name="Прямоугольник 5"/>
+          <p:cNvSpPr/>
+          <p:nvPr/>
+        </p:nvSpPr>
+        <p:spPr>
+          <a:xfrm>
+            <a:off x="2643174" y="785794"/>
+            <a:ext cx="3429024" cy="1357322"/>
+          </a:xfrm>
+          <a:prstGeom prst="rect">
+            <a:avLst/>
+          </a:prstGeom>
+        </p:spPr>
+        <p:style>
+          <a:lnRef idx="2">
+            <a:schemeClr val="accent1"/>
+          </a:lnRef>
+          <a:fillRef idx="1">
+            <a:schemeClr val="lt1"/>
+          </a:fillRef>
+          <a:effectRef idx="0">
+            <a:schemeClr val="accent1"/>
+          </a:effectRef>
+          <a:fontRef idx="minor">
+            <a:schemeClr val="dk1"/>
+          </a:fontRef>
+        </p:style>
+        <p:txBody>
+          <a:bodyPr rtlCol="0" anchor="ctr"/>
+          <a:lstStyle/>
+          <a:p>
+            <a:pPr marL="228600" indent="-228600"/>
+            <a:r>
+              <a:rPr lang="ru-RU" sz="1200" dirty="0" smtClean="0">
+                <a:latin typeface="Times New Roman" pitchFamily="18" charset="0"/>
+                <a:cs typeface="Times New Roman" pitchFamily="18" charset="0"/>
+              </a:rPr>
+              <a:t>1. Добавление новой записи</a:t>
+            </a:r>
+          </a:p>
+          <a:p>
+            <a:pPr marL="228600" indent="-228600"/>
+            <a:r>
+              <a:rPr lang="ru-RU" sz="1200" dirty="0" smtClean="0">
+                <a:latin typeface="Times New Roman" pitchFamily="18" charset="0"/>
+                <a:cs typeface="Times New Roman" pitchFamily="18" charset="0"/>
+              </a:rPr>
+              <a:t>2. Редактирование записи</a:t>
+            </a:r>
+          </a:p>
+          <a:p>
+            <a:pPr marL="228600" indent="-228600"/>
+            <a:r>
+              <a:rPr lang="ru-RU" sz="1200" dirty="0" smtClean="0">
+                <a:latin typeface="Times New Roman" pitchFamily="18" charset="0"/>
+                <a:cs typeface="Times New Roman" pitchFamily="18" charset="0"/>
+              </a:rPr>
+              <a:t>3. Удаление записи</a:t>
+            </a:r>
+          </a:p>
+          <a:p>
+            <a:pPr marL="228600" indent="-228600"/>
+            <a:r>
+              <a:rPr lang="ru-RU" sz="1200" dirty="0" smtClean="0">
+                <a:latin typeface="Times New Roman" pitchFamily="18" charset="0"/>
+                <a:cs typeface="Times New Roman" pitchFamily="18" charset="0"/>
+              </a:rPr>
+              <a:t>4. Отображение списка заявок</a:t>
+            </a:r>
+          </a:p>
+          <a:p>
+            <a:pPr marL="228600" indent="-228600"/>
+            <a:r>
+              <a:rPr lang="ru-RU" sz="1200" dirty="0" smtClean="0">
+                <a:latin typeface="Times New Roman" pitchFamily="18" charset="0"/>
+                <a:cs typeface="Times New Roman" pitchFamily="18" charset="0"/>
+              </a:rPr>
+              <a:t>5. Отображение списка заявок с учетом фильтра</a:t>
+            </a:r>
+          </a:p>
+          <a:p>
+            <a:pPr marL="228600" indent="-228600"/>
+            <a:r>
+              <a:rPr lang="ru-RU" sz="1200" dirty="0" smtClean="0">
+                <a:latin typeface="Times New Roman" pitchFamily="18" charset="0"/>
+                <a:cs typeface="Times New Roman" pitchFamily="18" charset="0"/>
+              </a:rPr>
+              <a:t>6. Добавить комментарий в заявку</a:t>
+            </a:r>
+          </a:p>
+          <a:p>
+            <a:pPr marL="228600" indent="-228600"/>
+            <a:r>
+              <a:rPr lang="ru-RU" sz="1200" dirty="0" smtClean="0">
+                <a:latin typeface="Times New Roman" pitchFamily="18" charset="0"/>
+                <a:cs typeface="Times New Roman" pitchFamily="18" charset="0"/>
+              </a:rPr>
+              <a:t>7. Выход</a:t>
+            </a:r>
+            <a:endParaRPr lang="ru-RU" sz="1200" dirty="0">
+              <a:latin typeface="Times New Roman" pitchFamily="18" charset="0"/>
+              <a:cs typeface="Times New Roman" pitchFamily="18" charset="0"/>
+            </a:endParaRPr>
+          </a:p>
+        </p:txBody>
+      </p:sp>
+      <p:sp>
+        <p:nvSpPr>
+          <p:cNvPr id="7" name="Прямоугольник 6"/>
+          <p:cNvSpPr/>
+          <p:nvPr/>
+        </p:nvSpPr>
+        <p:spPr>
+          <a:xfrm>
+            <a:off x="857224" y="2571744"/>
+            <a:ext cx="428628" cy="285752"/>
+          </a:xfrm>
+          <a:prstGeom prst="rect">
+            <a:avLst/>
+          </a:prstGeom>
+        </p:spPr>
+        <p:style>
+          <a:lnRef idx="2">
+            <a:schemeClr val="accent2"/>
+          </a:lnRef>
+          <a:fillRef idx="1">
+            <a:schemeClr val="lt1"/>
+          </a:fillRef>
+          <a:effectRef idx="0">
+            <a:schemeClr val="accent2"/>
+          </a:effectRef>
+          <a:fontRef idx="minor">
+            <a:schemeClr val="dk1"/>
+          </a:fontRef>
+        </p:style>
+        <p:txBody>
+          <a:bodyPr rtlCol="0" anchor="ctr"/>
+          <a:lstStyle/>
+          <a:p>
+            <a:pPr algn="ctr"/>
+            <a:r>
+              <a:rPr lang="ru-RU" sz="1200" dirty="0" smtClean="0">
+                <a:latin typeface="Times New Roman" pitchFamily="18" charset="0"/>
+                <a:cs typeface="Times New Roman" pitchFamily="18" charset="0"/>
+              </a:rPr>
+              <a:t>1</a:t>
+            </a:r>
+            <a:endParaRPr lang="ru-RU" sz="1200" dirty="0">
+              <a:latin typeface="Times New Roman" pitchFamily="18" charset="0"/>
+              <a:cs typeface="Times New Roman" pitchFamily="18" charset="0"/>
+            </a:endParaRPr>
+          </a:p>
+        </p:txBody>
+      </p:sp>
+      <p:sp>
+        <p:nvSpPr>
+          <p:cNvPr id="8" name="Прямоугольник 7"/>
+          <p:cNvSpPr/>
+          <p:nvPr/>
+        </p:nvSpPr>
+        <p:spPr>
+          <a:xfrm>
+            <a:off x="2071670" y="2571744"/>
+            <a:ext cx="428628" cy="285752"/>
+          </a:xfrm>
+          <a:prstGeom prst="rect">
+            <a:avLst/>
+          </a:prstGeom>
+        </p:spPr>
+        <p:style>
+          <a:lnRef idx="2">
+            <a:schemeClr val="accent2"/>
+          </a:lnRef>
+          <a:fillRef idx="1">
+            <a:schemeClr val="lt1"/>
+          </a:fillRef>
+          <a:effectRef idx="0">
+            <a:schemeClr val="accent2"/>
+          </a:effectRef>
+          <a:fontRef idx="minor">
+            <a:schemeClr val="dk1"/>
+          </a:fontRef>
+        </p:style>
+        <p:txBody>
+          <a:bodyPr rtlCol="0" anchor="ctr"/>
+          <a:lstStyle/>
+          <a:p>
+            <a:pPr algn="ctr"/>
+            <a:r>
+              <a:rPr lang="ru-RU" sz="1200" dirty="0" smtClean="0">
+                <a:latin typeface="Times New Roman" pitchFamily="18" charset="0"/>
+                <a:cs typeface="Times New Roman" pitchFamily="18" charset="0"/>
+              </a:rPr>
+              <a:t>2</a:t>
+            </a:r>
+            <a:endParaRPr lang="ru-RU" sz="1200" dirty="0">
+              <a:latin typeface="Times New Roman" pitchFamily="18" charset="0"/>
+              <a:cs typeface="Times New Roman" pitchFamily="18" charset="0"/>
+            </a:endParaRPr>
+          </a:p>
+        </p:txBody>
+      </p:sp>
+      <p:sp>
+        <p:nvSpPr>
+          <p:cNvPr id="9" name="Прямоугольник 8"/>
+          <p:cNvSpPr/>
+          <p:nvPr/>
+        </p:nvSpPr>
+        <p:spPr>
+          <a:xfrm>
+            <a:off x="3214678" y="2571744"/>
+            <a:ext cx="428628" cy="285752"/>
+          </a:xfrm>
+          <a:prstGeom prst="rect">
+            <a:avLst/>
+          </a:prstGeom>
+        </p:spPr>
+        <p:style>
+          <a:lnRef idx="2">
+            <a:schemeClr val="accent2"/>
+          </a:lnRef>
+          <a:fillRef idx="1">
+            <a:schemeClr val="lt1"/>
+          </a:fillRef>
+          <a:effectRef idx="0">
+            <a:schemeClr val="accent2"/>
+          </a:effectRef>
+          <a:fontRef idx="minor">
+            <a:schemeClr val="dk1"/>
+          </a:fontRef>
+        </p:style>
+        <p:txBody>
+          <a:bodyPr rtlCol="0" anchor="ctr"/>
+          <a:lstStyle/>
+          <a:p>
+            <a:pPr algn="ctr"/>
+            <a:r>
+              <a:rPr lang="ru-RU" sz="1200" dirty="0" smtClean="0">
+                <a:latin typeface="Times New Roman" pitchFamily="18" charset="0"/>
+                <a:cs typeface="Times New Roman" pitchFamily="18" charset="0"/>
+              </a:rPr>
+              <a:t>3</a:t>
+            </a:r>
+            <a:endParaRPr lang="ru-RU" sz="1200" dirty="0">
+              <a:latin typeface="Times New Roman" pitchFamily="18" charset="0"/>
+              <a:cs typeface="Times New Roman" pitchFamily="18" charset="0"/>
+            </a:endParaRPr>
+          </a:p>
+        </p:txBody>
+      </p:sp>
+      <p:sp>
+        <p:nvSpPr>
+          <p:cNvPr id="10" name="Прямоугольник 9"/>
+          <p:cNvSpPr/>
+          <p:nvPr/>
+        </p:nvSpPr>
+        <p:spPr>
+          <a:xfrm>
+            <a:off x="4429124" y="2571744"/>
+            <a:ext cx="428628" cy="285752"/>
+          </a:xfrm>
+          <a:prstGeom prst="rect">
+            <a:avLst/>
+          </a:prstGeom>
+        </p:spPr>
+        <p:style>
+          <a:lnRef idx="2">
+            <a:schemeClr val="accent2"/>
+          </a:lnRef>
+          <a:fillRef idx="1">
+            <a:schemeClr val="lt1"/>
+          </a:fillRef>
+          <a:effectRef idx="0">
+            <a:schemeClr val="accent2"/>
+          </a:effectRef>
+          <a:fontRef idx="minor">
+            <a:schemeClr val="dk1"/>
+          </a:fontRef>
+        </p:style>
+        <p:txBody>
+          <a:bodyPr rtlCol="0" anchor="ctr"/>
+          <a:lstStyle/>
+          <a:p>
+            <a:pPr algn="ctr"/>
+            <a:r>
+              <a:rPr lang="ru-RU" sz="1200" dirty="0" smtClean="0">
+                <a:latin typeface="Times New Roman" pitchFamily="18" charset="0"/>
+                <a:cs typeface="Times New Roman" pitchFamily="18" charset="0"/>
+              </a:rPr>
+              <a:t>4</a:t>
+            </a:r>
+            <a:endParaRPr lang="ru-RU" sz="1200" dirty="0">
+              <a:latin typeface="Times New Roman" pitchFamily="18" charset="0"/>
+              <a:cs typeface="Times New Roman" pitchFamily="18" charset="0"/>
+            </a:endParaRPr>
+          </a:p>
+        </p:txBody>
+      </p:sp>
+      <p:sp>
+        <p:nvSpPr>
+          <p:cNvPr id="11" name="Прямоугольник 10"/>
+          <p:cNvSpPr/>
+          <p:nvPr/>
+        </p:nvSpPr>
+        <p:spPr>
+          <a:xfrm>
+            <a:off x="5500694" y="2571744"/>
+            <a:ext cx="428628" cy="285752"/>
+          </a:xfrm>
+          <a:prstGeom prst="rect">
+            <a:avLst/>
+          </a:prstGeom>
+        </p:spPr>
+        <p:style>
+          <a:lnRef idx="2">
+            <a:schemeClr val="accent2"/>
+          </a:lnRef>
+          <a:fillRef idx="1">
+            <a:schemeClr val="lt1"/>
+          </a:fillRef>
+          <a:effectRef idx="0">
+            <a:schemeClr val="accent2"/>
+          </a:effectRef>
+          <a:fontRef idx="minor">
+            <a:schemeClr val="dk1"/>
+          </a:fontRef>
+        </p:style>
+        <p:txBody>
+          <a:bodyPr rtlCol="0" anchor="ctr"/>
+          <a:lstStyle/>
+          <a:p>
+            <a:pPr algn="ctr"/>
+            <a:r>
+              <a:rPr lang="ru-RU" sz="1200" dirty="0" smtClean="0">
+                <a:latin typeface="Times New Roman" pitchFamily="18" charset="0"/>
+                <a:cs typeface="Times New Roman" pitchFamily="18" charset="0"/>
+              </a:rPr>
+              <a:t>5</a:t>
+            </a:r>
+            <a:endParaRPr lang="ru-RU" sz="1200" dirty="0">
+              <a:latin typeface="Times New Roman" pitchFamily="18" charset="0"/>
+              <a:cs typeface="Times New Roman" pitchFamily="18" charset="0"/>
+            </a:endParaRPr>
+          </a:p>
+        </p:txBody>
+      </p:sp>
+      <p:sp>
+        <p:nvSpPr>
+          <p:cNvPr id="12" name="Прямоугольник 11"/>
+          <p:cNvSpPr/>
+          <p:nvPr/>
+        </p:nvSpPr>
+        <p:spPr>
+          <a:xfrm>
+            <a:off x="7000892" y="2571744"/>
+            <a:ext cx="428628" cy="285752"/>
+          </a:xfrm>
+          <a:prstGeom prst="rect">
+            <a:avLst/>
+          </a:prstGeom>
+        </p:spPr>
+        <p:style>
+          <a:lnRef idx="2">
+            <a:schemeClr val="accent2"/>
+          </a:lnRef>
+          <a:fillRef idx="1">
+            <a:schemeClr val="lt1"/>
+          </a:fillRef>
+          <a:effectRef idx="0">
+            <a:schemeClr val="accent2"/>
+          </a:effectRef>
+          <a:fontRef idx="minor">
+            <a:schemeClr val="dk1"/>
+          </a:fontRef>
+        </p:style>
+        <p:txBody>
+          <a:bodyPr rtlCol="0" anchor="ctr"/>
+          <a:lstStyle/>
+          <a:p>
+            <a:pPr algn="ctr"/>
+            <a:r>
+              <a:rPr lang="ru-RU" sz="1200" dirty="0" smtClean="0">
+                <a:latin typeface="Times New Roman" pitchFamily="18" charset="0"/>
+                <a:cs typeface="Times New Roman" pitchFamily="18" charset="0"/>
+              </a:rPr>
+              <a:t>6</a:t>
+            </a:r>
+            <a:endParaRPr lang="ru-RU" sz="1200" dirty="0">
+              <a:latin typeface="Times New Roman" pitchFamily="18" charset="0"/>
+              <a:cs typeface="Times New Roman" pitchFamily="18" charset="0"/>
+            </a:endParaRPr>
+          </a:p>
+        </p:txBody>
+      </p:sp>
+      <p:sp>
+        <p:nvSpPr>
+          <p:cNvPr id="13" name="Прямоугольник 12"/>
+          <p:cNvSpPr/>
+          <p:nvPr/>
+        </p:nvSpPr>
+        <p:spPr>
+          <a:xfrm>
+            <a:off x="7929586" y="2571744"/>
+            <a:ext cx="428628" cy="285752"/>
+          </a:xfrm>
+          <a:prstGeom prst="rect">
+            <a:avLst/>
+          </a:prstGeom>
+        </p:spPr>
+        <p:style>
+          <a:lnRef idx="2">
+            <a:schemeClr val="accent2"/>
+          </a:lnRef>
+          <a:fillRef idx="1">
+            <a:schemeClr val="lt1"/>
+          </a:fillRef>
+          <a:effectRef idx="0">
+            <a:schemeClr val="accent2"/>
+          </a:effectRef>
+          <a:fontRef idx="minor">
+            <a:schemeClr val="dk1"/>
+          </a:fontRef>
+        </p:style>
+        <p:txBody>
+          <a:bodyPr rtlCol="0" anchor="ctr"/>
+          <a:lstStyle/>
+          <a:p>
+            <a:pPr algn="ctr"/>
+            <a:r>
+              <a:rPr lang="ru-RU" sz="1200" dirty="0" smtClean="0">
+                <a:latin typeface="Times New Roman" pitchFamily="18" charset="0"/>
+                <a:cs typeface="Times New Roman" pitchFamily="18" charset="0"/>
+              </a:rPr>
+              <a:t>7</a:t>
+            </a:r>
+            <a:endParaRPr lang="ru-RU" sz="1200" dirty="0">
+              <a:latin typeface="Times New Roman" pitchFamily="18" charset="0"/>
+              <a:cs typeface="Times New Roman" pitchFamily="18" charset="0"/>
+            </a:endParaRPr>
+          </a:p>
+        </p:txBody>
+      </p:sp>
+      <p:sp>
+        <p:nvSpPr>
+          <p:cNvPr id="15" name="Прямоугольник 14"/>
+          <p:cNvSpPr/>
+          <p:nvPr/>
+        </p:nvSpPr>
+        <p:spPr>
+          <a:xfrm>
+            <a:off x="642910" y="3286124"/>
+            <a:ext cx="857256" cy="428628"/>
+          </a:xfrm>
+          <a:prstGeom prst="rect">
+            <a:avLst/>
+          </a:prstGeom>
+        </p:spPr>
+        <p:style>
+          <a:lnRef idx="2">
+            <a:schemeClr val="accent1"/>
+          </a:lnRef>
+          <a:fillRef idx="1">
+            <a:schemeClr val="lt1"/>
+          </a:fillRef>
+          <a:effectRef idx="0">
+            <a:schemeClr val="accent1"/>
+          </a:effectRef>
+          <a:fontRef idx="minor">
+            <a:schemeClr val="dk1"/>
+          </a:fontRef>
+        </p:style>
+        <p:txBody>
+          <a:bodyPr rtlCol="0" anchor="ctr"/>
+          <a:lstStyle/>
+          <a:p>
+            <a:pPr algn="ctr"/>
+            <a:r>
+              <a:rPr lang="ru-RU" sz="1200" dirty="0" smtClean="0">
+                <a:latin typeface="Times New Roman" pitchFamily="18" charset="0"/>
+                <a:cs typeface="Times New Roman" pitchFamily="18" charset="0"/>
+              </a:rPr>
+              <a:t>Введите данные</a:t>
+            </a:r>
+            <a:endParaRPr lang="ru-RU" sz="1200" dirty="0">
+              <a:latin typeface="Times New Roman" pitchFamily="18" charset="0"/>
+              <a:cs typeface="Times New Roman" pitchFamily="18" charset="0"/>
+            </a:endParaRPr>
+          </a:p>
+        </p:txBody>
+      </p:sp>
+      <p:sp>
+        <p:nvSpPr>
+          <p:cNvPr id="16" name="Прямоугольник 15"/>
+          <p:cNvSpPr/>
+          <p:nvPr/>
+        </p:nvSpPr>
+        <p:spPr>
+          <a:xfrm>
+            <a:off x="1714480" y="3286124"/>
+            <a:ext cx="1143008" cy="785818"/>
+          </a:xfrm>
+          <a:prstGeom prst="rect">
+            <a:avLst/>
+          </a:prstGeom>
+        </p:spPr>
+        <p:style>
+          <a:lnRef idx="2">
+            <a:schemeClr val="accent1"/>
+          </a:lnRef>
+          <a:fillRef idx="1">
+            <a:schemeClr val="lt1"/>
+          </a:fillRef>
+          <a:effectRef idx="0">
+            <a:schemeClr val="accent1"/>
+          </a:effectRef>
+          <a:fontRef idx="minor">
+            <a:schemeClr val="dk1"/>
+          </a:fontRef>
+        </p:style>
+        <p:txBody>
+          <a:bodyPr rtlCol="0" anchor="ctr"/>
+          <a:lstStyle/>
+          <a:p>
+            <a:pPr algn="ctr"/>
+            <a:r>
+              <a:rPr lang="ru-RU" sz="1200" dirty="0" smtClean="0">
+                <a:latin typeface="Times New Roman" pitchFamily="18" charset="0"/>
+                <a:cs typeface="Times New Roman" pitchFamily="18" charset="0"/>
+              </a:rPr>
+              <a:t>Введите</a:t>
+            </a:r>
+          </a:p>
+          <a:p>
+            <a:pPr algn="ctr"/>
+            <a:r>
+              <a:rPr lang="ru-RU" sz="1200" dirty="0" smtClean="0">
+                <a:latin typeface="Times New Roman" pitchFamily="18" charset="0"/>
+                <a:cs typeface="Times New Roman" pitchFamily="18" charset="0"/>
+              </a:rPr>
+              <a:t>номер и изменяемые данные</a:t>
+            </a:r>
+            <a:endParaRPr lang="ru-RU" sz="1200" dirty="0">
+              <a:latin typeface="Times New Roman" pitchFamily="18" charset="0"/>
+              <a:cs typeface="Times New Roman" pitchFamily="18" charset="0"/>
+            </a:endParaRPr>
+          </a:p>
+        </p:txBody>
+      </p:sp>
+      <p:sp>
+        <p:nvSpPr>
+          <p:cNvPr id="17" name="Прямоугольник 16"/>
+          <p:cNvSpPr/>
+          <p:nvPr/>
+        </p:nvSpPr>
+        <p:spPr>
+          <a:xfrm>
+            <a:off x="3000364" y="3286124"/>
+            <a:ext cx="857256" cy="428628"/>
+          </a:xfrm>
+          <a:prstGeom prst="rect">
+            <a:avLst/>
+          </a:prstGeom>
+        </p:spPr>
+        <p:style>
+          <a:lnRef idx="2">
+            <a:schemeClr val="accent1"/>
+          </a:lnRef>
+          <a:fillRef idx="1">
+            <a:schemeClr val="lt1"/>
+          </a:fillRef>
+          <a:effectRef idx="0">
+            <a:schemeClr val="accent1"/>
+          </a:effectRef>
+          <a:fontRef idx="minor">
+            <a:schemeClr val="dk1"/>
+          </a:fontRef>
+        </p:style>
+        <p:txBody>
+          <a:bodyPr rtlCol="0" anchor="ctr"/>
+          <a:lstStyle/>
+          <a:p>
+            <a:pPr algn="ctr"/>
+            <a:r>
+              <a:rPr lang="ru-RU" sz="1200" dirty="0" smtClean="0">
+                <a:latin typeface="Times New Roman" pitchFamily="18" charset="0"/>
+                <a:cs typeface="Times New Roman" pitchFamily="18" charset="0"/>
+              </a:rPr>
+              <a:t>Введите номер</a:t>
+            </a:r>
+            <a:endParaRPr lang="ru-RU" sz="1200" dirty="0">
+              <a:latin typeface="Times New Roman" pitchFamily="18" charset="0"/>
+              <a:cs typeface="Times New Roman" pitchFamily="18" charset="0"/>
+            </a:endParaRPr>
+          </a:p>
+        </p:txBody>
+      </p:sp>
+      <p:sp>
+        <p:nvSpPr>
+          <p:cNvPr id="19" name="Прямоугольник 18"/>
+          <p:cNvSpPr/>
+          <p:nvPr/>
+        </p:nvSpPr>
+        <p:spPr>
+          <a:xfrm>
+            <a:off x="5286380" y="3286124"/>
+            <a:ext cx="857256" cy="428628"/>
+          </a:xfrm>
+          <a:prstGeom prst="rect">
+            <a:avLst/>
+          </a:prstGeom>
+        </p:spPr>
+        <p:style>
+          <a:lnRef idx="2">
+            <a:schemeClr val="accent1"/>
+          </a:lnRef>
+          <a:fillRef idx="1">
+            <a:schemeClr val="lt1"/>
+          </a:fillRef>
+          <a:effectRef idx="0">
+            <a:schemeClr val="accent1"/>
+          </a:effectRef>
+          <a:fontRef idx="minor">
+            <a:schemeClr val="dk1"/>
+          </a:fontRef>
+        </p:style>
+        <p:txBody>
+          <a:bodyPr rtlCol="0" anchor="ctr"/>
+          <a:lstStyle/>
+          <a:p>
+            <a:pPr algn="ctr"/>
+            <a:r>
+              <a:rPr lang="ru-RU" sz="1200" dirty="0" smtClean="0">
+                <a:latin typeface="Times New Roman" pitchFamily="18" charset="0"/>
+                <a:cs typeface="Times New Roman" pitchFamily="18" charset="0"/>
+              </a:rPr>
+              <a:t>Введите фильтр</a:t>
+            </a:r>
+            <a:endParaRPr lang="ru-RU" sz="1200" dirty="0">
+              <a:latin typeface="Times New Roman" pitchFamily="18" charset="0"/>
+              <a:cs typeface="Times New Roman" pitchFamily="18" charset="0"/>
+            </a:endParaRPr>
+          </a:p>
+        </p:txBody>
+      </p:sp>
+      <p:sp>
+        <p:nvSpPr>
+          <p:cNvPr id="21" name="Прямоугольник 20"/>
+          <p:cNvSpPr/>
+          <p:nvPr/>
+        </p:nvSpPr>
+        <p:spPr>
+          <a:xfrm>
+            <a:off x="642910" y="4143380"/>
+            <a:ext cx="857256" cy="428628"/>
+          </a:xfrm>
+          <a:prstGeom prst="rect">
+            <a:avLst/>
+          </a:prstGeom>
+        </p:spPr>
+        <p:style>
+          <a:lnRef idx="2">
+            <a:schemeClr val="accent2"/>
+          </a:lnRef>
+          <a:fillRef idx="1">
+            <a:schemeClr val="lt1"/>
+          </a:fillRef>
+          <a:effectRef idx="0">
+            <a:schemeClr val="accent2"/>
+          </a:effectRef>
+          <a:fontRef idx="minor">
+            <a:schemeClr val="dk1"/>
+          </a:fontRef>
+        </p:style>
+        <p:txBody>
+          <a:bodyPr rtlCol="0" anchor="ctr"/>
+          <a:lstStyle/>
+          <a:p>
+            <a:pPr algn="ctr"/>
+            <a:r>
+              <a:rPr lang="ru-RU" sz="1200" dirty="0" smtClean="0">
+                <a:latin typeface="Times New Roman" pitchFamily="18" charset="0"/>
+                <a:cs typeface="Times New Roman" pitchFamily="18" charset="0"/>
+              </a:rPr>
+              <a:t>Ввод данных</a:t>
+            </a:r>
+            <a:endParaRPr lang="ru-RU" sz="1200" dirty="0">
+              <a:latin typeface="Times New Roman" pitchFamily="18" charset="0"/>
+              <a:cs typeface="Times New Roman" pitchFamily="18" charset="0"/>
+            </a:endParaRPr>
+          </a:p>
+        </p:txBody>
+      </p:sp>
+      <p:sp>
+        <p:nvSpPr>
+          <p:cNvPr id="22" name="Прямоугольник 21"/>
+          <p:cNvSpPr/>
+          <p:nvPr/>
+        </p:nvSpPr>
+        <p:spPr>
+          <a:xfrm>
+            <a:off x="1714480" y="4286256"/>
+            <a:ext cx="1143008" cy="428628"/>
+          </a:xfrm>
+          <a:prstGeom prst="rect">
+            <a:avLst/>
+          </a:prstGeom>
+        </p:spPr>
+        <p:style>
+          <a:lnRef idx="2">
+            <a:schemeClr val="accent2"/>
+          </a:lnRef>
+          <a:fillRef idx="1">
+            <a:schemeClr val="lt1"/>
+          </a:fillRef>
+          <a:effectRef idx="0">
+            <a:schemeClr val="accent2"/>
+          </a:effectRef>
+          <a:fontRef idx="minor">
+            <a:schemeClr val="dk1"/>
+          </a:fontRef>
+        </p:style>
+        <p:txBody>
+          <a:bodyPr rtlCol="0" anchor="ctr"/>
+          <a:lstStyle/>
+          <a:p>
+            <a:pPr algn="ctr"/>
+            <a:r>
+              <a:rPr lang="ru-RU" sz="1200" dirty="0" smtClean="0">
+                <a:latin typeface="Times New Roman" pitchFamily="18" charset="0"/>
+                <a:cs typeface="Times New Roman" pitchFamily="18" charset="0"/>
+              </a:rPr>
+              <a:t>Ввод номера и  данных</a:t>
+            </a:r>
+            <a:endParaRPr lang="ru-RU" sz="1200" dirty="0">
+              <a:latin typeface="Times New Roman" pitchFamily="18" charset="0"/>
+              <a:cs typeface="Times New Roman" pitchFamily="18" charset="0"/>
+            </a:endParaRPr>
+          </a:p>
+        </p:txBody>
+      </p:sp>
+      <p:sp>
+        <p:nvSpPr>
+          <p:cNvPr id="23" name="Прямоугольник 22"/>
+          <p:cNvSpPr/>
+          <p:nvPr/>
+        </p:nvSpPr>
+        <p:spPr>
+          <a:xfrm>
+            <a:off x="3000364" y="4071942"/>
+            <a:ext cx="857256" cy="428628"/>
+          </a:xfrm>
+          <a:prstGeom prst="rect">
+            <a:avLst/>
+          </a:prstGeom>
+        </p:spPr>
+        <p:style>
+          <a:lnRef idx="2">
+            <a:schemeClr val="accent2"/>
+          </a:lnRef>
+          <a:fillRef idx="1">
+            <a:schemeClr val="lt1"/>
+          </a:fillRef>
+          <a:effectRef idx="0">
+            <a:schemeClr val="accent2"/>
+          </a:effectRef>
+          <a:fontRef idx="minor">
+            <a:schemeClr val="dk1"/>
+          </a:fontRef>
+        </p:style>
+        <p:txBody>
+          <a:bodyPr rtlCol="0" anchor="ctr"/>
+          <a:lstStyle/>
+          <a:p>
+            <a:pPr algn="ctr"/>
+            <a:r>
+              <a:rPr lang="ru-RU" sz="1200" dirty="0" smtClean="0">
+                <a:latin typeface="Times New Roman" pitchFamily="18" charset="0"/>
+                <a:cs typeface="Times New Roman" pitchFamily="18" charset="0"/>
+              </a:rPr>
+              <a:t>Ввод номера</a:t>
+            </a:r>
+            <a:endParaRPr lang="ru-RU" sz="1200" dirty="0">
+              <a:latin typeface="Times New Roman" pitchFamily="18" charset="0"/>
+              <a:cs typeface="Times New Roman" pitchFamily="18" charset="0"/>
+            </a:endParaRPr>
+          </a:p>
+        </p:txBody>
+      </p:sp>
+      <p:sp>
+        <p:nvSpPr>
+          <p:cNvPr id="24" name="Прямоугольник 23"/>
+          <p:cNvSpPr/>
+          <p:nvPr/>
+        </p:nvSpPr>
+        <p:spPr>
+          <a:xfrm>
+            <a:off x="3000364" y="4929198"/>
+            <a:ext cx="857256" cy="428628"/>
+          </a:xfrm>
+          <a:prstGeom prst="rect">
+            <a:avLst/>
+          </a:prstGeom>
+        </p:spPr>
+        <p:style>
+          <a:lnRef idx="2">
+            <a:schemeClr val="accent1"/>
+          </a:lnRef>
+          <a:fillRef idx="1">
+            <a:schemeClr val="lt1"/>
+          </a:fillRef>
+          <a:effectRef idx="0">
+            <a:schemeClr val="accent1"/>
+          </a:effectRef>
+          <a:fontRef idx="minor">
+            <a:schemeClr val="dk1"/>
+          </a:fontRef>
+        </p:style>
+        <p:txBody>
+          <a:bodyPr rtlCol="0" anchor="ctr"/>
+          <a:lstStyle/>
+          <a:p>
+            <a:pPr algn="ctr"/>
+            <a:r>
+              <a:rPr lang="ru-RU" sz="1200" dirty="0" smtClean="0">
+                <a:latin typeface="Times New Roman" pitchFamily="18" charset="0"/>
+                <a:cs typeface="Times New Roman" pitchFamily="18" charset="0"/>
+              </a:rPr>
+              <a:t>Удаление заявки</a:t>
+            </a:r>
+            <a:endParaRPr lang="ru-RU" sz="1200" dirty="0">
+              <a:latin typeface="Times New Roman" pitchFamily="18" charset="0"/>
+              <a:cs typeface="Times New Roman" pitchFamily="18" charset="0"/>
+            </a:endParaRPr>
+          </a:p>
+        </p:txBody>
+      </p:sp>
+      <p:sp>
+        <p:nvSpPr>
+          <p:cNvPr id="25" name="Прямоугольник 24"/>
+          <p:cNvSpPr/>
+          <p:nvPr/>
+        </p:nvSpPr>
+        <p:spPr>
+          <a:xfrm>
+            <a:off x="5286380" y="4857760"/>
+            <a:ext cx="857256" cy="571504"/>
+          </a:xfrm>
+          <a:prstGeom prst="rect">
+            <a:avLst/>
+          </a:prstGeom>
+        </p:spPr>
+        <p:style>
+          <a:lnRef idx="2">
+            <a:schemeClr val="accent1"/>
+          </a:lnRef>
+          <a:fillRef idx="1">
+            <a:schemeClr val="lt1"/>
+          </a:fillRef>
+          <a:effectRef idx="0">
+            <a:schemeClr val="accent1"/>
+          </a:effectRef>
+          <a:fontRef idx="minor">
+            <a:schemeClr val="dk1"/>
+          </a:fontRef>
+        </p:style>
+        <p:txBody>
+          <a:bodyPr rtlCol="0" anchor="ctr"/>
+          <a:lstStyle/>
+          <a:p>
+            <a:pPr algn="ctr"/>
+            <a:r>
+              <a:rPr lang="ru-RU" sz="1200" dirty="0" smtClean="0">
+                <a:latin typeface="Times New Roman" pitchFamily="18" charset="0"/>
+                <a:cs typeface="Times New Roman" pitchFamily="18" charset="0"/>
+              </a:rPr>
+              <a:t>Вывод списка</a:t>
+            </a:r>
+          </a:p>
+          <a:p>
+            <a:pPr algn="ctr"/>
+            <a:r>
+              <a:rPr lang="ru-RU" sz="1200" dirty="0" smtClean="0">
+                <a:latin typeface="Times New Roman" pitchFamily="18" charset="0"/>
+                <a:cs typeface="Times New Roman" pitchFamily="18" charset="0"/>
+              </a:rPr>
+              <a:t>заявок</a:t>
+            </a:r>
+            <a:endParaRPr lang="ru-RU" sz="1200" dirty="0">
+              <a:latin typeface="Times New Roman" pitchFamily="18" charset="0"/>
+              <a:cs typeface="Times New Roman" pitchFamily="18" charset="0"/>
+            </a:endParaRPr>
+          </a:p>
+        </p:txBody>
+      </p:sp>
+      <p:sp>
+        <p:nvSpPr>
+          <p:cNvPr id="29" name="Прямоугольник 28"/>
+          <p:cNvSpPr/>
+          <p:nvPr/>
+        </p:nvSpPr>
+        <p:spPr>
+          <a:xfrm>
+            <a:off x="4214810" y="4000504"/>
+            <a:ext cx="857256" cy="571504"/>
+          </a:xfrm>
+          <a:prstGeom prst="rect">
+            <a:avLst/>
+          </a:prstGeom>
+        </p:spPr>
+        <p:style>
+          <a:lnRef idx="2">
+            <a:schemeClr val="accent1"/>
+          </a:lnRef>
+          <a:fillRef idx="1">
+            <a:schemeClr val="lt1"/>
+          </a:fillRef>
+          <a:effectRef idx="0">
+            <a:schemeClr val="accent1"/>
+          </a:effectRef>
+          <a:fontRef idx="minor">
+            <a:schemeClr val="dk1"/>
+          </a:fontRef>
+        </p:style>
+        <p:txBody>
+          <a:bodyPr rtlCol="0" anchor="ctr"/>
+          <a:lstStyle/>
+          <a:p>
+            <a:pPr algn="ctr"/>
+            <a:r>
+              <a:rPr lang="ru-RU" sz="1200" dirty="0" smtClean="0">
+                <a:latin typeface="Times New Roman" pitchFamily="18" charset="0"/>
+                <a:cs typeface="Times New Roman" pitchFamily="18" charset="0"/>
+              </a:rPr>
+              <a:t>Вывод списка</a:t>
+            </a:r>
+          </a:p>
+          <a:p>
+            <a:pPr algn="ctr"/>
+            <a:r>
+              <a:rPr lang="ru-RU" sz="1200" dirty="0" smtClean="0">
+                <a:latin typeface="Times New Roman" pitchFamily="18" charset="0"/>
+                <a:cs typeface="Times New Roman" pitchFamily="18" charset="0"/>
+              </a:rPr>
+              <a:t>заявок</a:t>
+            </a:r>
+            <a:endParaRPr lang="ru-RU" sz="1200" dirty="0">
+              <a:latin typeface="Times New Roman" pitchFamily="18" charset="0"/>
+              <a:cs typeface="Times New Roman" pitchFamily="18" charset="0"/>
+            </a:endParaRPr>
+          </a:p>
+        </p:txBody>
+      </p:sp>
+      <p:sp>
+        <p:nvSpPr>
+          <p:cNvPr id="30" name="Прямоугольник 29"/>
+          <p:cNvSpPr/>
+          <p:nvPr/>
+        </p:nvSpPr>
+        <p:spPr>
+          <a:xfrm>
+            <a:off x="6643702" y="3286124"/>
+            <a:ext cx="1143008" cy="785818"/>
+          </a:xfrm>
+          <a:prstGeom prst="rect">
+            <a:avLst/>
+          </a:prstGeom>
+        </p:spPr>
+        <p:style>
+          <a:lnRef idx="2">
+            <a:schemeClr val="accent1"/>
+          </a:lnRef>
+          <a:fillRef idx="1">
+            <a:schemeClr val="lt1"/>
+          </a:fillRef>
+          <a:effectRef idx="0">
+            <a:schemeClr val="accent1"/>
+          </a:effectRef>
+          <a:fontRef idx="minor">
+            <a:schemeClr val="dk1"/>
+          </a:fontRef>
+        </p:style>
+        <p:txBody>
+          <a:bodyPr rtlCol="0" anchor="ctr"/>
+          <a:lstStyle/>
+          <a:p>
+            <a:pPr algn="ctr"/>
+            <a:r>
+              <a:rPr lang="ru-RU" sz="1200" dirty="0" smtClean="0">
+                <a:latin typeface="Times New Roman" pitchFamily="18" charset="0"/>
+                <a:cs typeface="Times New Roman" pitchFamily="18" charset="0"/>
+              </a:rPr>
+              <a:t>Введите</a:t>
+            </a:r>
+          </a:p>
+          <a:p>
+            <a:pPr algn="ctr"/>
+            <a:r>
+              <a:rPr lang="ru-RU" sz="1200" dirty="0" smtClean="0">
+                <a:latin typeface="Times New Roman" pitchFamily="18" charset="0"/>
+                <a:cs typeface="Times New Roman" pitchFamily="18" charset="0"/>
+              </a:rPr>
+              <a:t>номер и комментарии</a:t>
+            </a:r>
+            <a:endParaRPr lang="ru-RU" sz="1200" dirty="0">
+              <a:latin typeface="Times New Roman" pitchFamily="18" charset="0"/>
+              <a:cs typeface="Times New Roman" pitchFamily="18" charset="0"/>
+            </a:endParaRPr>
+          </a:p>
+        </p:txBody>
+      </p:sp>
+      <p:cxnSp>
+        <p:nvCxnSpPr>
+          <p:cNvPr id="41" name="Прямая со стрелкой 40"/>
+          <p:cNvCxnSpPr>
+            <a:stCxn id="5" idx="2"/>
+            <a:endCxn id="6" idx="0"/>
+          </p:cNvCxnSpPr>
+          <p:nvPr/>
+        </p:nvCxnSpPr>
+        <p:spPr>
+          <a:xfrm rot="16200000" flipH="1">
+            <a:off x="4209894" y="612114"/>
+            <a:ext cx="374701" cy="7679"/>
+          </a:xfrm>
+          <a:prstGeom prst="straightConnector1">
+            <a:avLst/>
+          </a:prstGeom>
+          <a:ln>
+            <a:tailEnd type="arrow"/>
+          </a:ln>
+        </p:spPr>
+        <p:style>
+          <a:lnRef idx="1">
+            <a:schemeClr val="accent1"/>
+          </a:lnRef>
+          <a:fillRef idx="0">
+            <a:schemeClr val="accent1"/>
+          </a:fillRef>
+          <a:effectRef idx="0">
+            <a:schemeClr val="accent1"/>
+          </a:effectRef>
+          <a:fontRef idx="minor">
+            <a:schemeClr val="tx1"/>
+          </a:fontRef>
+        </p:style>
+      </p:cxnSp>
+      <p:cxnSp>
+        <p:nvCxnSpPr>
+          <p:cNvPr id="43" name="Прямая со стрелкой 42"/>
+          <p:cNvCxnSpPr>
+            <a:stCxn id="6" idx="2"/>
+            <a:endCxn id="7" idx="0"/>
+          </p:cNvCxnSpPr>
+          <p:nvPr/>
+        </p:nvCxnSpPr>
+        <p:spPr>
+          <a:xfrm rot="5400000">
+            <a:off x="2500298" y="714356"/>
+            <a:ext cx="428628" cy="3286148"/>
+          </a:xfrm>
+          <a:prstGeom prst="straightConnector1">
+            <a:avLst/>
+          </a:prstGeom>
+          <a:ln>
+            <a:tailEnd type="arrow"/>
+          </a:ln>
+        </p:spPr>
+        <p:style>
+          <a:lnRef idx="1">
+            <a:schemeClr val="accent1"/>
+          </a:lnRef>
+          <a:fillRef idx="0">
+            <a:schemeClr val="accent1"/>
+          </a:fillRef>
+          <a:effectRef idx="0">
+            <a:schemeClr val="accent1"/>
+          </a:effectRef>
+          <a:fontRef idx="minor">
+            <a:schemeClr val="tx1"/>
+          </a:fontRef>
+        </p:style>
+      </p:cxnSp>
+      <p:cxnSp>
+        <p:nvCxnSpPr>
+          <p:cNvPr id="45" name="Прямая со стрелкой 44"/>
+          <p:cNvCxnSpPr>
+            <a:stCxn id="6" idx="2"/>
+            <a:endCxn id="8" idx="0"/>
+          </p:cNvCxnSpPr>
+          <p:nvPr/>
+        </p:nvCxnSpPr>
+        <p:spPr>
+          <a:xfrm rot="5400000">
+            <a:off x="3107521" y="1321579"/>
+            <a:ext cx="428628" cy="2071702"/>
+          </a:xfrm>
+          <a:prstGeom prst="straightConnector1">
+            <a:avLst/>
+          </a:prstGeom>
+          <a:ln>
+            <a:tailEnd type="arrow"/>
+          </a:ln>
+        </p:spPr>
+        <p:style>
+          <a:lnRef idx="1">
+            <a:schemeClr val="accent1"/>
+          </a:lnRef>
+          <a:fillRef idx="0">
+            <a:schemeClr val="accent1"/>
+          </a:fillRef>
+          <a:effectRef idx="0">
+            <a:schemeClr val="accent1"/>
+          </a:effectRef>
+          <a:fontRef idx="minor">
+            <a:schemeClr val="tx1"/>
+          </a:fontRef>
+        </p:style>
+      </p:cxnSp>
+      <p:cxnSp>
+        <p:nvCxnSpPr>
+          <p:cNvPr id="47" name="Прямая со стрелкой 46"/>
+          <p:cNvCxnSpPr>
+            <a:stCxn id="6" idx="2"/>
+            <a:endCxn id="9" idx="0"/>
+          </p:cNvCxnSpPr>
+          <p:nvPr/>
+        </p:nvCxnSpPr>
+        <p:spPr>
+          <a:xfrm rot="5400000">
+            <a:off x="3679025" y="1893083"/>
+            <a:ext cx="428628" cy="928694"/>
+          </a:xfrm>
+          <a:prstGeom prst="straightConnector1">
+            <a:avLst/>
+          </a:prstGeom>
+          <a:ln>
+            <a:tailEnd type="arrow"/>
+          </a:ln>
+        </p:spPr>
+        <p:style>
+          <a:lnRef idx="1">
+            <a:schemeClr val="accent1"/>
+          </a:lnRef>
+          <a:fillRef idx="0">
+            <a:schemeClr val="accent1"/>
+          </a:fillRef>
+          <a:effectRef idx="0">
+            <a:schemeClr val="accent1"/>
+          </a:effectRef>
+          <a:fontRef idx="minor">
+            <a:schemeClr val="tx1"/>
+          </a:fontRef>
+        </p:style>
+      </p:cxnSp>
+      <p:cxnSp>
+        <p:nvCxnSpPr>
+          <p:cNvPr id="49" name="Прямая со стрелкой 48"/>
+          <p:cNvCxnSpPr>
+            <a:stCxn id="6" idx="2"/>
+            <a:endCxn id="10" idx="0"/>
+          </p:cNvCxnSpPr>
+          <p:nvPr/>
+        </p:nvCxnSpPr>
+        <p:spPr>
+          <a:xfrm rot="16200000" flipH="1">
+            <a:off x="4286248" y="2214554"/>
+            <a:ext cx="428628" cy="285752"/>
+          </a:xfrm>
+          <a:prstGeom prst="straightConnector1">
+            <a:avLst/>
+          </a:prstGeom>
+          <a:ln>
+            <a:tailEnd type="arrow"/>
+          </a:ln>
+        </p:spPr>
+        <p:style>
+          <a:lnRef idx="1">
+            <a:schemeClr val="accent1"/>
+          </a:lnRef>
+          <a:fillRef idx="0">
+            <a:schemeClr val="accent1"/>
+          </a:fillRef>
+          <a:effectRef idx="0">
+            <a:schemeClr val="accent1"/>
+          </a:effectRef>
+          <a:fontRef idx="minor">
+            <a:schemeClr val="tx1"/>
+          </a:fontRef>
+        </p:style>
+      </p:cxnSp>
+      <p:cxnSp>
+        <p:nvCxnSpPr>
+          <p:cNvPr id="51" name="Прямая со стрелкой 50"/>
+          <p:cNvCxnSpPr>
+            <a:stCxn id="6" idx="2"/>
+            <a:endCxn id="11" idx="0"/>
+          </p:cNvCxnSpPr>
+          <p:nvPr/>
+        </p:nvCxnSpPr>
+        <p:spPr>
+          <a:xfrm rot="16200000" flipH="1">
+            <a:off x="4822033" y="1678769"/>
+            <a:ext cx="428628" cy="1357322"/>
+          </a:xfrm>
+          <a:prstGeom prst="straightConnector1">
+            <a:avLst/>
+          </a:prstGeom>
+          <a:ln>
+            <a:tailEnd type="arrow"/>
+          </a:ln>
+        </p:spPr>
+        <p:style>
+          <a:lnRef idx="1">
+            <a:schemeClr val="accent1"/>
+          </a:lnRef>
+          <a:fillRef idx="0">
+            <a:schemeClr val="accent1"/>
+          </a:fillRef>
+          <a:effectRef idx="0">
+            <a:schemeClr val="accent1"/>
+          </a:effectRef>
+          <a:fontRef idx="minor">
+            <a:schemeClr val="tx1"/>
+          </a:fontRef>
+        </p:style>
+      </p:cxnSp>
+      <p:cxnSp>
+        <p:nvCxnSpPr>
+          <p:cNvPr id="53" name="Прямая со стрелкой 52"/>
+          <p:cNvCxnSpPr>
+            <a:stCxn id="6" idx="2"/>
+            <a:endCxn id="12" idx="0"/>
+          </p:cNvCxnSpPr>
+          <p:nvPr/>
+        </p:nvCxnSpPr>
+        <p:spPr>
+          <a:xfrm rot="16200000" flipH="1">
+            <a:off x="5572132" y="928670"/>
+            <a:ext cx="428628" cy="2857520"/>
+          </a:xfrm>
+          <a:prstGeom prst="straightConnector1">
+            <a:avLst/>
+          </a:prstGeom>
+          <a:ln>
+            <a:tailEnd type="arrow"/>
+          </a:ln>
+        </p:spPr>
+        <p:style>
+          <a:lnRef idx="1">
+            <a:schemeClr val="accent1"/>
+          </a:lnRef>
+          <a:fillRef idx="0">
+            <a:schemeClr val="accent1"/>
+          </a:fillRef>
+          <a:effectRef idx="0">
+            <a:schemeClr val="accent1"/>
+          </a:effectRef>
+          <a:fontRef idx="minor">
+            <a:schemeClr val="tx1"/>
+          </a:fontRef>
+        </p:style>
+      </p:cxnSp>
+      <p:cxnSp>
+        <p:nvCxnSpPr>
+          <p:cNvPr id="55" name="Прямая со стрелкой 54"/>
+          <p:cNvCxnSpPr>
+            <a:stCxn id="6" idx="2"/>
+            <a:endCxn id="13" idx="0"/>
+          </p:cNvCxnSpPr>
+          <p:nvPr/>
+        </p:nvCxnSpPr>
+        <p:spPr>
+          <a:xfrm rot="16200000" flipH="1">
+            <a:off x="6036479" y="464323"/>
+            <a:ext cx="428628" cy="3786214"/>
+          </a:xfrm>
+          <a:prstGeom prst="straightConnector1">
+            <a:avLst/>
+          </a:prstGeom>
+          <a:ln>
+            <a:tailEnd type="arrow"/>
+          </a:ln>
+        </p:spPr>
+        <p:style>
+          <a:lnRef idx="1">
+            <a:schemeClr val="accent1"/>
+          </a:lnRef>
+          <a:fillRef idx="0">
+            <a:schemeClr val="accent1"/>
+          </a:fillRef>
+          <a:effectRef idx="0">
+            <a:schemeClr val="accent1"/>
+          </a:effectRef>
+          <a:fontRef idx="minor">
+            <a:schemeClr val="tx1"/>
+          </a:fontRef>
+        </p:style>
+      </p:cxnSp>
+      <p:sp>
+        <p:nvSpPr>
+          <p:cNvPr id="57" name="Прямоугольник 56"/>
+          <p:cNvSpPr/>
+          <p:nvPr/>
+        </p:nvSpPr>
+        <p:spPr>
+          <a:xfrm>
+            <a:off x="3857620" y="6357958"/>
+            <a:ext cx="857256" cy="357190"/>
+          </a:xfrm>
+          <a:prstGeom prst="rect">
+            <a:avLst/>
+          </a:prstGeom>
+        </p:spPr>
+        <p:style>
+          <a:lnRef idx="2">
+            <a:schemeClr val="accent1"/>
+          </a:lnRef>
+          <a:fillRef idx="1">
+            <a:schemeClr val="lt1"/>
+          </a:fillRef>
+          <a:effectRef idx="0">
+            <a:schemeClr val="accent1"/>
+          </a:effectRef>
+          <a:fontRef idx="minor">
+            <a:schemeClr val="dk1"/>
+          </a:fontRef>
+        </p:style>
+        <p:txBody>
+          <a:bodyPr rtlCol="0" anchor="ctr"/>
+          <a:lstStyle/>
+          <a:p>
+            <a:pPr algn="ctr"/>
+            <a:r>
+              <a:rPr lang="ru-RU" sz="1200" dirty="0" smtClean="0">
+                <a:latin typeface="Times New Roman" pitchFamily="18" charset="0"/>
+                <a:cs typeface="Times New Roman" pitchFamily="18" charset="0"/>
+              </a:rPr>
+              <a:t>Выход</a:t>
+            </a:r>
+            <a:endParaRPr lang="ru-RU" sz="1200" dirty="0">
+              <a:latin typeface="Times New Roman" pitchFamily="18" charset="0"/>
+              <a:cs typeface="Times New Roman" pitchFamily="18" charset="0"/>
+            </a:endParaRPr>
+          </a:p>
+        </p:txBody>
+      </p:sp>
+      <p:sp>
+        <p:nvSpPr>
+          <p:cNvPr id="58" name="Прямоугольник 57"/>
+          <p:cNvSpPr/>
+          <p:nvPr/>
+        </p:nvSpPr>
+        <p:spPr>
+          <a:xfrm>
+            <a:off x="642910" y="4929198"/>
+            <a:ext cx="857256" cy="428628"/>
+          </a:xfrm>
+          <a:prstGeom prst="rect">
+            <a:avLst/>
+          </a:prstGeom>
+        </p:spPr>
+        <p:style>
+          <a:lnRef idx="2">
+            <a:schemeClr val="accent1"/>
+          </a:lnRef>
+          <a:fillRef idx="1">
+            <a:schemeClr val="lt1"/>
+          </a:fillRef>
+          <a:effectRef idx="0">
+            <a:schemeClr val="accent1"/>
+          </a:effectRef>
+          <a:fontRef idx="minor">
+            <a:schemeClr val="dk1"/>
+          </a:fontRef>
+        </p:style>
+        <p:txBody>
+          <a:bodyPr rtlCol="0" anchor="ctr"/>
+          <a:lstStyle/>
+          <a:p>
+            <a:pPr algn="ctr"/>
+            <a:r>
+              <a:rPr lang="ru-RU" sz="1200" dirty="0" smtClean="0">
+                <a:latin typeface="Times New Roman" pitchFamily="18" charset="0"/>
+                <a:cs typeface="Times New Roman" pitchFamily="18" charset="0"/>
+              </a:rPr>
+              <a:t>Новая заявка</a:t>
+            </a:r>
+            <a:endParaRPr lang="ru-RU" sz="1200" dirty="0">
+              <a:latin typeface="Times New Roman" pitchFamily="18" charset="0"/>
+              <a:cs typeface="Times New Roman" pitchFamily="18" charset="0"/>
+            </a:endParaRPr>
+          </a:p>
+        </p:txBody>
+      </p:sp>
+      <p:sp>
+        <p:nvSpPr>
+          <p:cNvPr id="59" name="Прямоугольник 58"/>
+          <p:cNvSpPr/>
+          <p:nvPr/>
+        </p:nvSpPr>
+        <p:spPr>
+          <a:xfrm>
+            <a:off x="1785918" y="4929198"/>
+            <a:ext cx="1000132" cy="428628"/>
+          </a:xfrm>
+          <a:prstGeom prst="rect">
+            <a:avLst/>
+          </a:prstGeom>
+        </p:spPr>
+        <p:style>
+          <a:lnRef idx="2">
+            <a:schemeClr val="accent1"/>
+          </a:lnRef>
+          <a:fillRef idx="1">
+            <a:schemeClr val="lt1"/>
+          </a:fillRef>
+          <a:effectRef idx="0">
+            <a:schemeClr val="accent1"/>
+          </a:effectRef>
+          <a:fontRef idx="minor">
+            <a:schemeClr val="dk1"/>
+          </a:fontRef>
+        </p:style>
+        <p:txBody>
+          <a:bodyPr rtlCol="0" anchor="ctr"/>
+          <a:lstStyle/>
+          <a:p>
+            <a:pPr algn="ctr"/>
+            <a:r>
+              <a:rPr lang="ru-RU" sz="1200" dirty="0" smtClean="0">
+                <a:latin typeface="Times New Roman" pitchFamily="18" charset="0"/>
+                <a:cs typeface="Times New Roman" pitchFamily="18" charset="0"/>
+              </a:rPr>
+              <a:t>Измененная заявки</a:t>
+            </a:r>
+            <a:endParaRPr lang="ru-RU" sz="1200" dirty="0">
+              <a:latin typeface="Times New Roman" pitchFamily="18" charset="0"/>
+              <a:cs typeface="Times New Roman" pitchFamily="18" charset="0"/>
+            </a:endParaRPr>
+          </a:p>
+        </p:txBody>
+      </p:sp>
+      <p:sp>
+        <p:nvSpPr>
+          <p:cNvPr id="60" name="Прямоугольник 59"/>
+          <p:cNvSpPr/>
+          <p:nvPr/>
+        </p:nvSpPr>
+        <p:spPr>
+          <a:xfrm>
+            <a:off x="5286380" y="4071942"/>
+            <a:ext cx="857256" cy="438152"/>
+          </a:xfrm>
+          <a:prstGeom prst="rect">
+            <a:avLst/>
+          </a:prstGeom>
+        </p:spPr>
+        <p:style>
+          <a:lnRef idx="2">
+            <a:schemeClr val="accent2"/>
+          </a:lnRef>
+          <a:fillRef idx="1">
+            <a:schemeClr val="lt1"/>
+          </a:fillRef>
+          <a:effectRef idx="0">
+            <a:schemeClr val="accent2"/>
+          </a:effectRef>
+          <a:fontRef idx="minor">
+            <a:schemeClr val="dk1"/>
+          </a:fontRef>
+        </p:style>
+        <p:txBody>
+          <a:bodyPr rtlCol="0" anchor="ctr"/>
+          <a:lstStyle/>
+          <a:p>
+            <a:pPr algn="ctr"/>
+            <a:r>
+              <a:rPr lang="ru-RU" sz="1200" dirty="0" smtClean="0">
+                <a:latin typeface="Times New Roman" pitchFamily="18" charset="0"/>
+                <a:cs typeface="Times New Roman" pitchFamily="18" charset="0"/>
+              </a:rPr>
+              <a:t>Фильтр</a:t>
+            </a:r>
+            <a:endParaRPr lang="ru-RU" sz="1200" dirty="0">
+              <a:latin typeface="Times New Roman" pitchFamily="18" charset="0"/>
+              <a:cs typeface="Times New Roman" pitchFamily="18" charset="0"/>
+            </a:endParaRPr>
+          </a:p>
+        </p:txBody>
+      </p:sp>
+      <p:sp>
+        <p:nvSpPr>
+          <p:cNvPr id="61" name="Прямоугольник 60"/>
+          <p:cNvSpPr/>
+          <p:nvPr/>
+        </p:nvSpPr>
+        <p:spPr>
+          <a:xfrm>
+            <a:off x="6643702" y="4357694"/>
+            <a:ext cx="1143008" cy="428628"/>
+          </a:xfrm>
+          <a:prstGeom prst="rect">
+            <a:avLst/>
+          </a:prstGeom>
+        </p:spPr>
+        <p:style>
+          <a:lnRef idx="2">
+            <a:schemeClr val="accent2"/>
+          </a:lnRef>
+          <a:fillRef idx="1">
+            <a:schemeClr val="lt1"/>
+          </a:fillRef>
+          <a:effectRef idx="0">
+            <a:schemeClr val="accent2"/>
+          </a:effectRef>
+          <a:fontRef idx="minor">
+            <a:schemeClr val="dk1"/>
+          </a:fontRef>
+        </p:style>
+        <p:txBody>
+          <a:bodyPr rtlCol="0" anchor="ctr"/>
+          <a:lstStyle/>
+          <a:p>
+            <a:pPr algn="ctr"/>
+            <a:r>
+              <a:rPr lang="ru-RU" sz="1200" dirty="0" smtClean="0">
+                <a:latin typeface="Times New Roman" pitchFamily="18" charset="0"/>
+                <a:cs typeface="Times New Roman" pitchFamily="18" charset="0"/>
+              </a:rPr>
+              <a:t>Ввод номера и  комментария</a:t>
+            </a:r>
+            <a:endParaRPr lang="ru-RU" sz="1200" dirty="0">
+              <a:latin typeface="Times New Roman" pitchFamily="18" charset="0"/>
+              <a:cs typeface="Times New Roman" pitchFamily="18" charset="0"/>
+            </a:endParaRPr>
+          </a:p>
+        </p:txBody>
+      </p:sp>
+      <p:sp>
+        <p:nvSpPr>
+          <p:cNvPr id="62" name="Прямоугольник 61"/>
+          <p:cNvSpPr/>
+          <p:nvPr/>
+        </p:nvSpPr>
+        <p:spPr>
+          <a:xfrm>
+            <a:off x="6715140" y="5000636"/>
+            <a:ext cx="1000132" cy="428628"/>
+          </a:xfrm>
+          <a:prstGeom prst="rect">
+            <a:avLst/>
+          </a:prstGeom>
+        </p:spPr>
+        <p:style>
+          <a:lnRef idx="2">
+            <a:schemeClr val="accent1"/>
+          </a:lnRef>
+          <a:fillRef idx="1">
+            <a:schemeClr val="lt1"/>
+          </a:fillRef>
+          <a:effectRef idx="0">
+            <a:schemeClr val="accent1"/>
+          </a:effectRef>
+          <a:fontRef idx="minor">
+            <a:schemeClr val="dk1"/>
+          </a:fontRef>
+        </p:style>
+        <p:txBody>
+          <a:bodyPr rtlCol="0" anchor="ctr"/>
+          <a:lstStyle/>
+          <a:p>
+            <a:pPr algn="ctr"/>
+            <a:r>
+              <a:rPr lang="ru-RU" sz="1200" dirty="0" smtClean="0">
+                <a:latin typeface="Times New Roman" pitchFamily="18" charset="0"/>
+                <a:cs typeface="Times New Roman" pitchFamily="18" charset="0"/>
+              </a:rPr>
+              <a:t>Измененная заявка</a:t>
+            </a:r>
+            <a:endParaRPr lang="ru-RU" sz="1200" dirty="0">
+              <a:latin typeface="Times New Roman" pitchFamily="18" charset="0"/>
+              <a:cs typeface="Times New Roman" pitchFamily="18" charset="0"/>
+            </a:endParaRPr>
+          </a:p>
+        </p:txBody>
+      </p:sp>
+      <p:cxnSp>
+        <p:nvCxnSpPr>
+          <p:cNvPr id="65" name="Прямая со стрелкой 64"/>
+          <p:cNvCxnSpPr>
+            <a:stCxn id="13" idx="2"/>
+            <a:endCxn id="57" idx="0"/>
+          </p:cNvCxnSpPr>
+          <p:nvPr/>
+        </p:nvCxnSpPr>
+        <p:spPr>
+          <a:xfrm rot="5400000">
+            <a:off x="4464843" y="2678901"/>
+            <a:ext cx="3500462" cy="3857652"/>
+          </a:xfrm>
+          <a:prstGeom prst="bentConnector3">
+            <a:avLst>
+              <a:gd name="adj1" fmla="val 91503"/>
+            </a:avLst>
+          </a:prstGeom>
+          <a:ln>
+            <a:tailEnd type="arrow"/>
+          </a:ln>
+        </p:spPr>
+        <p:style>
+          <a:lnRef idx="1">
+            <a:schemeClr val="accent1"/>
+          </a:lnRef>
+          <a:fillRef idx="0">
+            <a:schemeClr val="accent1"/>
+          </a:fillRef>
+          <a:effectRef idx="0">
+            <a:schemeClr val="accent1"/>
+          </a:effectRef>
+          <a:fontRef idx="minor">
+            <a:schemeClr val="tx1"/>
+          </a:fontRef>
+        </p:style>
+      </p:cxnSp>
+      <p:cxnSp>
+        <p:nvCxnSpPr>
+          <p:cNvPr id="71" name="Прямая со стрелкой 70"/>
+          <p:cNvCxnSpPr>
+            <a:stCxn id="12" idx="2"/>
+            <a:endCxn id="30" idx="0"/>
+          </p:cNvCxnSpPr>
+          <p:nvPr/>
+        </p:nvCxnSpPr>
+        <p:spPr>
+          <a:xfrm rot="5400000">
+            <a:off x="7000892" y="3071810"/>
+            <a:ext cx="428628" cy="1588"/>
+          </a:xfrm>
+          <a:prstGeom prst="straightConnector1">
+            <a:avLst/>
+          </a:prstGeom>
+          <a:ln>
+            <a:tailEnd type="arrow"/>
+          </a:ln>
+        </p:spPr>
+        <p:style>
+          <a:lnRef idx="1">
+            <a:schemeClr val="accent1"/>
+          </a:lnRef>
+          <a:fillRef idx="0">
+            <a:schemeClr val="accent1"/>
+          </a:fillRef>
+          <a:effectRef idx="0">
+            <a:schemeClr val="accent1"/>
+          </a:effectRef>
+          <a:fontRef idx="minor">
+            <a:schemeClr val="tx1"/>
+          </a:fontRef>
+        </p:style>
+      </p:cxnSp>
+      <p:cxnSp>
+        <p:nvCxnSpPr>
+          <p:cNvPr id="73" name="Прямая со стрелкой 72"/>
+          <p:cNvCxnSpPr>
+            <a:stCxn id="30" idx="2"/>
+            <a:endCxn id="61" idx="0"/>
+          </p:cNvCxnSpPr>
+          <p:nvPr/>
+        </p:nvCxnSpPr>
+        <p:spPr>
+          <a:xfrm rot="5400000">
+            <a:off x="7072330" y="4214818"/>
+            <a:ext cx="285752" cy="1588"/>
+          </a:xfrm>
+          <a:prstGeom prst="straightConnector1">
+            <a:avLst/>
+          </a:prstGeom>
+          <a:ln>
+            <a:tailEnd type="arrow"/>
+          </a:ln>
+        </p:spPr>
+        <p:style>
+          <a:lnRef idx="1">
+            <a:schemeClr val="accent1"/>
+          </a:lnRef>
+          <a:fillRef idx="0">
+            <a:schemeClr val="accent1"/>
+          </a:fillRef>
+          <a:effectRef idx="0">
+            <a:schemeClr val="accent1"/>
+          </a:effectRef>
+          <a:fontRef idx="minor">
+            <a:schemeClr val="tx1"/>
+          </a:fontRef>
+        </p:style>
+      </p:cxnSp>
+      <p:cxnSp>
+        <p:nvCxnSpPr>
+          <p:cNvPr id="76" name="Прямая со стрелкой 75"/>
+          <p:cNvCxnSpPr>
+            <a:stCxn id="61" idx="2"/>
+            <a:endCxn id="62" idx="0"/>
+          </p:cNvCxnSpPr>
+          <p:nvPr/>
+        </p:nvCxnSpPr>
+        <p:spPr>
+          <a:xfrm rot="5400000">
+            <a:off x="7108049" y="4893479"/>
+            <a:ext cx="214314" cy="1588"/>
+          </a:xfrm>
+          <a:prstGeom prst="straightConnector1">
+            <a:avLst/>
+          </a:prstGeom>
+          <a:ln>
+            <a:tailEnd type="arrow"/>
+          </a:ln>
+        </p:spPr>
+        <p:style>
+          <a:lnRef idx="1">
+            <a:schemeClr val="accent1"/>
+          </a:lnRef>
+          <a:fillRef idx="0">
+            <a:schemeClr val="accent1"/>
+          </a:fillRef>
+          <a:effectRef idx="0">
+            <a:schemeClr val="accent1"/>
+          </a:effectRef>
+          <a:fontRef idx="minor">
+            <a:schemeClr val="tx1"/>
+          </a:fontRef>
+        </p:style>
+      </p:cxnSp>
+      <p:cxnSp>
+        <p:nvCxnSpPr>
+          <p:cNvPr id="78" name="Прямая со стрелкой 77"/>
+          <p:cNvCxnSpPr>
+            <a:stCxn id="11" idx="2"/>
+            <a:endCxn id="19" idx="0"/>
+          </p:cNvCxnSpPr>
+          <p:nvPr/>
+        </p:nvCxnSpPr>
+        <p:spPr>
+          <a:xfrm rot="5400000">
+            <a:off x="5500694" y="3071810"/>
+            <a:ext cx="428628" cy="1588"/>
+          </a:xfrm>
+          <a:prstGeom prst="straightConnector1">
+            <a:avLst/>
+          </a:prstGeom>
+          <a:ln>
+            <a:tailEnd type="arrow"/>
+          </a:ln>
+        </p:spPr>
+        <p:style>
+          <a:lnRef idx="1">
+            <a:schemeClr val="accent1"/>
+          </a:lnRef>
+          <a:fillRef idx="0">
+            <a:schemeClr val="accent1"/>
+          </a:fillRef>
+          <a:effectRef idx="0">
+            <a:schemeClr val="accent1"/>
+          </a:effectRef>
+          <a:fontRef idx="minor">
+            <a:schemeClr val="tx1"/>
+          </a:fontRef>
+        </p:style>
+      </p:cxnSp>
+      <p:cxnSp>
+        <p:nvCxnSpPr>
+          <p:cNvPr id="80" name="Прямая со стрелкой 79"/>
+          <p:cNvCxnSpPr>
+            <a:stCxn id="19" idx="2"/>
+            <a:endCxn id="60" idx="0"/>
+          </p:cNvCxnSpPr>
+          <p:nvPr/>
+        </p:nvCxnSpPr>
+        <p:spPr>
+          <a:xfrm rot="5400000">
+            <a:off x="5536413" y="3893347"/>
+            <a:ext cx="357190" cy="1588"/>
+          </a:xfrm>
+          <a:prstGeom prst="straightConnector1">
+            <a:avLst/>
+          </a:prstGeom>
+          <a:ln>
+            <a:tailEnd type="arrow"/>
+          </a:ln>
+        </p:spPr>
+        <p:style>
+          <a:lnRef idx="1">
+            <a:schemeClr val="accent1"/>
+          </a:lnRef>
+          <a:fillRef idx="0">
+            <a:schemeClr val="accent1"/>
+          </a:fillRef>
+          <a:effectRef idx="0">
+            <a:schemeClr val="accent1"/>
+          </a:effectRef>
+          <a:fontRef idx="minor">
+            <a:schemeClr val="tx1"/>
+          </a:fontRef>
+        </p:style>
+      </p:cxnSp>
+      <p:cxnSp>
+        <p:nvCxnSpPr>
+          <p:cNvPr id="82" name="Прямая со стрелкой 81"/>
+          <p:cNvCxnSpPr>
+            <a:stCxn id="60" idx="2"/>
+            <a:endCxn id="25" idx="0"/>
+          </p:cNvCxnSpPr>
+          <p:nvPr/>
+        </p:nvCxnSpPr>
+        <p:spPr>
+          <a:xfrm rot="5400000">
+            <a:off x="5541175" y="4683927"/>
+            <a:ext cx="347666" cy="1588"/>
+          </a:xfrm>
+          <a:prstGeom prst="straightConnector1">
+            <a:avLst/>
+          </a:prstGeom>
+          <a:ln>
+            <a:tailEnd type="arrow"/>
+          </a:ln>
+        </p:spPr>
+        <p:style>
+          <a:lnRef idx="1">
+            <a:schemeClr val="accent1"/>
+          </a:lnRef>
+          <a:fillRef idx="0">
+            <a:schemeClr val="accent1"/>
+          </a:fillRef>
+          <a:effectRef idx="0">
+            <a:schemeClr val="accent1"/>
+          </a:effectRef>
+          <a:fontRef idx="minor">
+            <a:schemeClr val="tx1"/>
+          </a:fontRef>
+        </p:style>
+      </p:cxnSp>
+      <p:cxnSp>
+        <p:nvCxnSpPr>
+          <p:cNvPr id="84" name="Прямая со стрелкой 83"/>
+          <p:cNvCxnSpPr>
+            <a:stCxn id="10" idx="2"/>
+            <a:endCxn id="29" idx="0"/>
+          </p:cNvCxnSpPr>
+          <p:nvPr/>
+        </p:nvCxnSpPr>
+        <p:spPr>
+          <a:xfrm rot="5400000">
+            <a:off x="4071934" y="3429000"/>
+            <a:ext cx="1143008" cy="1588"/>
+          </a:xfrm>
+          <a:prstGeom prst="straightConnector1">
+            <a:avLst/>
+          </a:prstGeom>
+          <a:ln>
+            <a:tailEnd type="arrow"/>
+          </a:ln>
+        </p:spPr>
+        <p:style>
+          <a:lnRef idx="1">
+            <a:schemeClr val="accent1"/>
+          </a:lnRef>
+          <a:fillRef idx="0">
+            <a:schemeClr val="accent1"/>
+          </a:fillRef>
+          <a:effectRef idx="0">
+            <a:schemeClr val="accent1"/>
+          </a:effectRef>
+          <a:fontRef idx="minor">
+            <a:schemeClr val="tx1"/>
+          </a:fontRef>
+        </p:style>
+      </p:cxnSp>
+      <p:cxnSp>
+        <p:nvCxnSpPr>
+          <p:cNvPr id="86" name="Прямая со стрелкой 85"/>
+          <p:cNvCxnSpPr>
+            <a:stCxn id="9" idx="2"/>
+            <a:endCxn id="17" idx="0"/>
+          </p:cNvCxnSpPr>
+          <p:nvPr/>
+        </p:nvCxnSpPr>
+        <p:spPr>
+          <a:xfrm rot="5400000">
+            <a:off x="3214678" y="3071810"/>
+            <a:ext cx="428628" cy="1588"/>
+          </a:xfrm>
+          <a:prstGeom prst="straightConnector1">
+            <a:avLst/>
+          </a:prstGeom>
+          <a:ln>
+            <a:tailEnd type="arrow"/>
+          </a:ln>
+        </p:spPr>
+        <p:style>
+          <a:lnRef idx="1">
+            <a:schemeClr val="accent1"/>
+          </a:lnRef>
+          <a:fillRef idx="0">
+            <a:schemeClr val="accent1"/>
+          </a:fillRef>
+          <a:effectRef idx="0">
+            <a:schemeClr val="accent1"/>
+          </a:effectRef>
+          <a:fontRef idx="minor">
+            <a:schemeClr val="tx1"/>
+          </a:fontRef>
+        </p:style>
+      </p:cxnSp>
+      <p:cxnSp>
+        <p:nvCxnSpPr>
+          <p:cNvPr id="88" name="Прямая со стрелкой 87"/>
+          <p:cNvCxnSpPr>
+            <a:stCxn id="17" idx="2"/>
+            <a:endCxn id="23" idx="0"/>
+          </p:cNvCxnSpPr>
+          <p:nvPr/>
+        </p:nvCxnSpPr>
+        <p:spPr>
+          <a:xfrm rot="5400000">
+            <a:off x="3250397" y="3893347"/>
+            <a:ext cx="357190" cy="1588"/>
+          </a:xfrm>
+          <a:prstGeom prst="straightConnector1">
+            <a:avLst/>
+          </a:prstGeom>
+          <a:ln>
+            <a:tailEnd type="arrow"/>
+          </a:ln>
+        </p:spPr>
+        <p:style>
+          <a:lnRef idx="1">
+            <a:schemeClr val="accent1"/>
+          </a:lnRef>
+          <a:fillRef idx="0">
+            <a:schemeClr val="accent1"/>
+          </a:fillRef>
+          <a:effectRef idx="0">
+            <a:schemeClr val="accent1"/>
+          </a:effectRef>
+          <a:fontRef idx="minor">
+            <a:schemeClr val="tx1"/>
+          </a:fontRef>
+        </p:style>
+      </p:cxnSp>
+      <p:cxnSp>
+        <p:nvCxnSpPr>
+          <p:cNvPr id="90" name="Прямая со стрелкой 89"/>
+          <p:cNvCxnSpPr>
+            <a:stCxn id="23" idx="2"/>
+            <a:endCxn id="24" idx="0"/>
+          </p:cNvCxnSpPr>
+          <p:nvPr/>
+        </p:nvCxnSpPr>
+        <p:spPr>
+          <a:xfrm rot="5400000">
+            <a:off x="3214678" y="4714884"/>
+            <a:ext cx="428628" cy="1588"/>
+          </a:xfrm>
+          <a:prstGeom prst="straightConnector1">
+            <a:avLst/>
+          </a:prstGeom>
+          <a:ln>
+            <a:tailEnd type="arrow"/>
+          </a:ln>
+        </p:spPr>
+        <p:style>
+          <a:lnRef idx="1">
+            <a:schemeClr val="accent1"/>
+          </a:lnRef>
+          <a:fillRef idx="0">
+            <a:schemeClr val="accent1"/>
+          </a:fillRef>
+          <a:effectRef idx="0">
+            <a:schemeClr val="accent1"/>
+          </a:effectRef>
+          <a:fontRef idx="minor">
+            <a:schemeClr val="tx1"/>
+          </a:fontRef>
+        </p:style>
+      </p:cxnSp>
+      <p:cxnSp>
+        <p:nvCxnSpPr>
+          <p:cNvPr id="92" name="Прямая со стрелкой 91"/>
+          <p:cNvCxnSpPr>
+            <a:stCxn id="8" idx="2"/>
+            <a:endCxn id="16" idx="0"/>
+          </p:cNvCxnSpPr>
+          <p:nvPr/>
+        </p:nvCxnSpPr>
+        <p:spPr>
+          <a:xfrm rot="5400000">
+            <a:off x="2071670" y="3071810"/>
+            <a:ext cx="428628" cy="1588"/>
+          </a:xfrm>
+          <a:prstGeom prst="straightConnector1">
+            <a:avLst/>
+          </a:prstGeom>
+          <a:ln>
+            <a:tailEnd type="arrow"/>
+          </a:ln>
+        </p:spPr>
+        <p:style>
+          <a:lnRef idx="1">
+            <a:schemeClr val="accent1"/>
+          </a:lnRef>
+          <a:fillRef idx="0">
+            <a:schemeClr val="accent1"/>
+          </a:fillRef>
+          <a:effectRef idx="0">
+            <a:schemeClr val="accent1"/>
+          </a:effectRef>
+          <a:fontRef idx="minor">
+            <a:schemeClr val="tx1"/>
+          </a:fontRef>
+        </p:style>
+      </p:cxnSp>
+      <p:cxnSp>
+        <p:nvCxnSpPr>
+          <p:cNvPr id="96" name="Прямая со стрелкой 95"/>
+          <p:cNvCxnSpPr>
+            <a:stCxn id="16" idx="2"/>
+            <a:endCxn id="22" idx="0"/>
+          </p:cNvCxnSpPr>
+          <p:nvPr/>
+        </p:nvCxnSpPr>
+        <p:spPr>
+          <a:xfrm rot="5400000">
+            <a:off x="2178827" y="4179099"/>
+            <a:ext cx="214314" cy="1588"/>
+          </a:xfrm>
+          <a:prstGeom prst="straightConnector1">
+            <a:avLst/>
+          </a:prstGeom>
+          <a:ln>
+            <a:tailEnd type="arrow"/>
+          </a:ln>
+        </p:spPr>
+        <p:style>
+          <a:lnRef idx="1">
+            <a:schemeClr val="accent1"/>
+          </a:lnRef>
+          <a:fillRef idx="0">
+            <a:schemeClr val="accent1"/>
+          </a:fillRef>
+          <a:effectRef idx="0">
+            <a:schemeClr val="accent1"/>
+          </a:effectRef>
+          <a:fontRef idx="minor">
+            <a:schemeClr val="tx1"/>
+          </a:fontRef>
+        </p:style>
+      </p:cxnSp>
+      <p:cxnSp>
+        <p:nvCxnSpPr>
+          <p:cNvPr id="99" name="Прямая со стрелкой 98"/>
+          <p:cNvCxnSpPr>
+            <a:stCxn id="22" idx="2"/>
+            <a:endCxn id="59" idx="0"/>
+          </p:cNvCxnSpPr>
+          <p:nvPr/>
+        </p:nvCxnSpPr>
+        <p:spPr>
+          <a:xfrm rot="5400000">
+            <a:off x="2178827" y="4822041"/>
+            <a:ext cx="214314" cy="1588"/>
+          </a:xfrm>
+          <a:prstGeom prst="straightConnector1">
+            <a:avLst/>
+          </a:prstGeom>
+          <a:ln>
+            <a:tailEnd type="arrow"/>
+          </a:ln>
+        </p:spPr>
+        <p:style>
+          <a:lnRef idx="1">
+            <a:schemeClr val="accent1"/>
+          </a:lnRef>
+          <a:fillRef idx="0">
+            <a:schemeClr val="accent1"/>
+          </a:fillRef>
+          <a:effectRef idx="0">
+            <a:schemeClr val="accent1"/>
+          </a:effectRef>
+          <a:fontRef idx="minor">
+            <a:schemeClr val="tx1"/>
+          </a:fontRef>
+        </p:style>
+      </p:cxnSp>
+      <p:cxnSp>
+        <p:nvCxnSpPr>
+          <p:cNvPr id="101" name="Прямая со стрелкой 100"/>
+          <p:cNvCxnSpPr>
+            <a:stCxn id="7" idx="2"/>
+            <a:endCxn id="15" idx="0"/>
+          </p:cNvCxnSpPr>
+          <p:nvPr/>
+        </p:nvCxnSpPr>
+        <p:spPr>
+          <a:xfrm rot="5400000">
+            <a:off x="857224" y="3071810"/>
+            <a:ext cx="428628" cy="1588"/>
+          </a:xfrm>
+          <a:prstGeom prst="straightConnector1">
+            <a:avLst/>
+          </a:prstGeom>
+          <a:ln>
+            <a:tailEnd type="arrow"/>
+          </a:ln>
+        </p:spPr>
+        <p:style>
+          <a:lnRef idx="1">
+            <a:schemeClr val="accent1"/>
+          </a:lnRef>
+          <a:fillRef idx="0">
+            <a:schemeClr val="accent1"/>
+          </a:fillRef>
+          <a:effectRef idx="0">
+            <a:schemeClr val="accent1"/>
+          </a:effectRef>
+          <a:fontRef idx="minor">
+            <a:schemeClr val="tx1"/>
+          </a:fontRef>
+        </p:style>
+      </p:cxnSp>
+      <p:cxnSp>
+        <p:nvCxnSpPr>
+          <p:cNvPr id="103" name="Прямая со стрелкой 102"/>
+          <p:cNvCxnSpPr>
+            <a:stCxn id="15" idx="2"/>
+            <a:endCxn id="21" idx="0"/>
+          </p:cNvCxnSpPr>
+          <p:nvPr/>
+        </p:nvCxnSpPr>
+        <p:spPr>
+          <a:xfrm rot="5400000">
+            <a:off x="857224" y="3929066"/>
+            <a:ext cx="428628" cy="1588"/>
+          </a:xfrm>
+          <a:prstGeom prst="straightConnector1">
+            <a:avLst/>
+          </a:prstGeom>
+          <a:ln>
+            <a:tailEnd type="arrow"/>
+          </a:ln>
+        </p:spPr>
+        <p:style>
+          <a:lnRef idx="1">
+            <a:schemeClr val="accent1"/>
+          </a:lnRef>
+          <a:fillRef idx="0">
+            <a:schemeClr val="accent1"/>
+          </a:fillRef>
+          <a:effectRef idx="0">
+            <a:schemeClr val="accent1"/>
+          </a:effectRef>
+          <a:fontRef idx="minor">
+            <a:schemeClr val="tx1"/>
+          </a:fontRef>
+        </p:style>
+      </p:cxnSp>
+      <p:cxnSp>
+        <p:nvCxnSpPr>
+          <p:cNvPr id="105" name="Прямая со стрелкой 104"/>
+          <p:cNvCxnSpPr>
+            <a:stCxn id="21" idx="2"/>
+            <a:endCxn id="58" idx="0"/>
+          </p:cNvCxnSpPr>
+          <p:nvPr/>
+        </p:nvCxnSpPr>
+        <p:spPr>
+          <a:xfrm rot="5400000">
+            <a:off x="892943" y="4750603"/>
+            <a:ext cx="357190" cy="1588"/>
+          </a:xfrm>
+          <a:prstGeom prst="straightConnector1">
+            <a:avLst/>
+          </a:prstGeom>
+          <a:ln>
+            <a:tailEnd type="arrow"/>
+          </a:ln>
+        </p:spPr>
+        <p:style>
+          <a:lnRef idx="1">
+            <a:schemeClr val="accent1"/>
+          </a:lnRef>
+          <a:fillRef idx="0">
+            <a:schemeClr val="accent1"/>
+          </a:fillRef>
+          <a:effectRef idx="0">
+            <a:schemeClr val="accent1"/>
+          </a:effectRef>
+          <a:fontRef idx="minor">
+            <a:schemeClr val="tx1"/>
+          </a:fontRef>
+        </p:style>
+      </p:cxnSp>
+      <p:sp>
+        <p:nvSpPr>
+          <p:cNvPr id="114" name="Прямоугольник 113"/>
+          <p:cNvSpPr/>
+          <p:nvPr/>
+        </p:nvSpPr>
+        <p:spPr>
+          <a:xfrm>
+            <a:off x="571472" y="5643578"/>
+            <a:ext cx="7143800" cy="45719"/>
+          </a:xfrm>
+          <a:prstGeom prst="rect">
+            <a:avLst/>
+          </a:prstGeom>
+        </p:spPr>
+        <p:style>
+          <a:lnRef idx="2">
+            <a:schemeClr val="accent1">
+              <a:shade val="50000"/>
+            </a:schemeClr>
+          </a:lnRef>
+          <a:fillRef idx="1">
+            <a:schemeClr val="accent1"/>
+          </a:fillRef>
+          <a:effectRef idx="0">
+            <a:schemeClr val="accent1"/>
+          </a:effectRef>
+          <a:fontRef idx="minor">
+            <a:schemeClr val="lt1"/>
+          </a:fontRef>
+        </p:style>
+        <p:txBody>
+          <a:bodyPr rtlCol="0" anchor="ctr"/>
+          <a:lstStyle/>
+          <a:p>
+            <a:pPr algn="ctr"/>
+            <a:endParaRPr lang="ru-RU"/>
+          </a:p>
+        </p:txBody>
+      </p:sp>
+      <p:cxnSp>
+        <p:nvCxnSpPr>
+          <p:cNvPr id="116" name="Прямая со стрелкой 115"/>
+          <p:cNvCxnSpPr>
+            <a:stCxn id="58" idx="2"/>
+          </p:cNvCxnSpPr>
+          <p:nvPr/>
+        </p:nvCxnSpPr>
+        <p:spPr>
+          <a:xfrm rot="5400000">
+            <a:off x="928662" y="5500702"/>
+            <a:ext cx="285752" cy="1588"/>
+          </a:xfrm>
+          <a:prstGeom prst="straightConnector1">
+            <a:avLst/>
+          </a:prstGeom>
+          <a:ln>
+            <a:tailEnd type="arrow"/>
+          </a:ln>
+        </p:spPr>
+        <p:style>
+          <a:lnRef idx="1">
+            <a:schemeClr val="accent1"/>
+          </a:lnRef>
+          <a:fillRef idx="0">
+            <a:schemeClr val="accent1"/>
+          </a:fillRef>
+          <a:effectRef idx="0">
+            <a:schemeClr val="accent1"/>
+          </a:effectRef>
+          <a:fontRef idx="minor">
+            <a:schemeClr val="tx1"/>
+          </a:fontRef>
+        </p:style>
+      </p:cxnSp>
+      <p:cxnSp>
+        <p:nvCxnSpPr>
+          <p:cNvPr id="118" name="Прямая со стрелкой 117"/>
+          <p:cNvCxnSpPr>
+            <a:stCxn id="59" idx="2"/>
+          </p:cNvCxnSpPr>
+          <p:nvPr/>
+        </p:nvCxnSpPr>
+        <p:spPr>
+          <a:xfrm rot="5400000">
+            <a:off x="2143108" y="5500702"/>
+            <a:ext cx="285752" cy="1588"/>
+          </a:xfrm>
+          <a:prstGeom prst="straightConnector1">
+            <a:avLst/>
+          </a:prstGeom>
+          <a:ln>
+            <a:tailEnd type="arrow"/>
+          </a:ln>
+        </p:spPr>
+        <p:style>
+          <a:lnRef idx="1">
+            <a:schemeClr val="accent1"/>
+          </a:lnRef>
+          <a:fillRef idx="0">
+            <a:schemeClr val="accent1"/>
+          </a:fillRef>
+          <a:effectRef idx="0">
+            <a:schemeClr val="accent1"/>
+          </a:effectRef>
+          <a:fontRef idx="minor">
+            <a:schemeClr val="tx1"/>
+          </a:fontRef>
+        </p:style>
+      </p:cxnSp>
+      <p:cxnSp>
+        <p:nvCxnSpPr>
+          <p:cNvPr id="120" name="Прямая со стрелкой 119"/>
+          <p:cNvCxnSpPr>
+            <a:stCxn id="24" idx="2"/>
+          </p:cNvCxnSpPr>
+          <p:nvPr/>
+        </p:nvCxnSpPr>
+        <p:spPr>
+          <a:xfrm rot="5400000">
+            <a:off x="3286116" y="5500702"/>
+            <a:ext cx="285752" cy="1588"/>
+          </a:xfrm>
+          <a:prstGeom prst="straightConnector1">
+            <a:avLst/>
+          </a:prstGeom>
+          <a:ln>
+            <a:tailEnd type="arrow"/>
+          </a:ln>
+        </p:spPr>
+        <p:style>
+          <a:lnRef idx="1">
+            <a:schemeClr val="accent1"/>
+          </a:lnRef>
+          <a:fillRef idx="0">
+            <a:schemeClr val="accent1"/>
+          </a:fillRef>
+          <a:effectRef idx="0">
+            <a:schemeClr val="accent1"/>
+          </a:effectRef>
+          <a:fontRef idx="minor">
+            <a:schemeClr val="tx1"/>
+          </a:fontRef>
+        </p:style>
+      </p:cxnSp>
+      <p:cxnSp>
+        <p:nvCxnSpPr>
+          <p:cNvPr id="122" name="Прямая со стрелкой 121"/>
+          <p:cNvCxnSpPr>
+            <a:stCxn id="29" idx="2"/>
+          </p:cNvCxnSpPr>
+          <p:nvPr/>
+        </p:nvCxnSpPr>
+        <p:spPr>
+          <a:xfrm rot="5400000">
+            <a:off x="4107653" y="5107793"/>
+            <a:ext cx="1071570" cy="1588"/>
+          </a:xfrm>
+          <a:prstGeom prst="straightConnector1">
+            <a:avLst/>
+          </a:prstGeom>
+          <a:ln>
+            <a:tailEnd type="arrow"/>
+          </a:ln>
+        </p:spPr>
+        <p:style>
+          <a:lnRef idx="1">
+            <a:schemeClr val="accent1"/>
+          </a:lnRef>
+          <a:fillRef idx="0">
+            <a:schemeClr val="accent1"/>
+          </a:fillRef>
+          <a:effectRef idx="0">
+            <a:schemeClr val="accent1"/>
+          </a:effectRef>
+          <a:fontRef idx="minor">
+            <a:schemeClr val="tx1"/>
+          </a:fontRef>
+        </p:style>
+      </p:cxnSp>
+      <p:cxnSp>
+        <p:nvCxnSpPr>
+          <p:cNvPr id="126" name="Прямая со стрелкой 125"/>
+          <p:cNvCxnSpPr>
+            <a:stCxn id="25" idx="2"/>
+          </p:cNvCxnSpPr>
+          <p:nvPr/>
+        </p:nvCxnSpPr>
+        <p:spPr>
+          <a:xfrm rot="5400000">
+            <a:off x="5607851" y="5536421"/>
+            <a:ext cx="214314" cy="1588"/>
+          </a:xfrm>
+          <a:prstGeom prst="straightConnector1">
+            <a:avLst/>
+          </a:prstGeom>
+          <a:ln>
+            <a:tailEnd type="arrow"/>
+          </a:ln>
+        </p:spPr>
+        <p:style>
+          <a:lnRef idx="1">
+            <a:schemeClr val="accent1"/>
+          </a:lnRef>
+          <a:fillRef idx="0">
+            <a:schemeClr val="accent1"/>
+          </a:fillRef>
+          <a:effectRef idx="0">
+            <a:schemeClr val="accent1"/>
+          </a:effectRef>
+          <a:fontRef idx="minor">
+            <a:schemeClr val="tx1"/>
+          </a:fontRef>
+        </p:style>
+      </p:cxnSp>
+      <p:cxnSp>
+        <p:nvCxnSpPr>
+          <p:cNvPr id="128" name="Прямая со стрелкой 127"/>
+          <p:cNvCxnSpPr>
+            <a:stCxn id="62" idx="2"/>
+          </p:cNvCxnSpPr>
+          <p:nvPr/>
+        </p:nvCxnSpPr>
+        <p:spPr>
+          <a:xfrm rot="5400000">
+            <a:off x="7108049" y="5536421"/>
+            <a:ext cx="214314" cy="1588"/>
+          </a:xfrm>
+          <a:prstGeom prst="straightConnector1">
+            <a:avLst/>
+          </a:prstGeom>
+          <a:ln>
+            <a:tailEnd type="arrow"/>
+          </a:ln>
+        </p:spPr>
+        <p:style>
+          <a:lnRef idx="1">
+            <a:schemeClr val="accent1"/>
+          </a:lnRef>
+          <a:fillRef idx="0">
+            <a:schemeClr val="accent1"/>
+          </a:fillRef>
+          <a:effectRef idx="0">
+            <a:schemeClr val="accent1"/>
+          </a:effectRef>
+          <a:fontRef idx="minor">
+            <a:schemeClr val="tx1"/>
+          </a:fontRef>
+        </p:style>
+      </p:cxnSp>
+      <p:cxnSp>
+        <p:nvCxnSpPr>
+          <p:cNvPr id="130" name="Прямая со стрелкой 129"/>
+          <p:cNvCxnSpPr>
+            <a:stCxn id="114" idx="1"/>
+            <a:endCxn id="6" idx="1"/>
+          </p:cNvCxnSpPr>
+          <p:nvPr/>
+        </p:nvCxnSpPr>
+        <p:spPr>
+          <a:xfrm rot="10800000" flipH="1">
+            <a:off x="571472" y="1464456"/>
+            <a:ext cx="2071702" cy="4201983"/>
+          </a:xfrm>
+          <a:prstGeom prst="bentConnector3">
+            <a:avLst>
+              <a:gd name="adj1" fmla="val -11034"/>
+            </a:avLst>
+          </a:prstGeom>
+          <a:ln>
+            <a:tailEnd type="arrow"/>
+          </a:ln>
+        </p:spPr>
+        <p:style>
+          <a:lnRef idx="1">
+            <a:schemeClr val="accent1"/>
+          </a:lnRef>
+          <a:fillRef idx="0">
+            <a:schemeClr val="accent1"/>
+          </a:fillRef>
+          <a:effectRef idx="0">
+            <a:schemeClr val="accent1"/>
+          </a:effectRef>
+          <a:fontRef idx="minor">
+            <a:schemeClr val="tx1"/>
+          </a:fontRef>
+        </p:style>
+      </p:cxnSp>
+      <p:sp>
+        <p:nvSpPr>
+          <p:cNvPr id="132" name="Прямоугольник 131"/>
+          <p:cNvSpPr/>
+          <p:nvPr/>
+        </p:nvSpPr>
+        <p:spPr>
+          <a:xfrm>
+            <a:off x="214282" y="142852"/>
+            <a:ext cx="1428760" cy="285752"/>
+          </a:xfrm>
+          <a:prstGeom prst="rect">
+            <a:avLst/>
+          </a:prstGeom>
+        </p:spPr>
+        <p:style>
+          <a:lnRef idx="2">
+            <a:schemeClr val="accent1"/>
+          </a:lnRef>
+          <a:fillRef idx="1">
+            <a:schemeClr val="lt1"/>
+          </a:fillRef>
+          <a:effectRef idx="0">
+            <a:schemeClr val="accent1"/>
+          </a:effectRef>
+          <a:fontRef idx="minor">
+            <a:schemeClr val="dk1"/>
+          </a:fontRef>
+        </p:style>
+        <p:txBody>
+          <a:bodyPr rtlCol="0" anchor="ctr"/>
+          <a:lstStyle/>
+          <a:p>
+            <a:pPr algn="ctr"/>
+            <a:r>
+              <a:rPr lang="ru-RU" sz="1200" dirty="0" smtClean="0">
+                <a:latin typeface="Times New Roman" pitchFamily="18" charset="0"/>
+                <a:cs typeface="Times New Roman" pitchFamily="18" charset="0"/>
+              </a:rPr>
+              <a:t>программа</a:t>
+            </a:r>
+            <a:endParaRPr lang="ru-RU" sz="1200" dirty="0">
+              <a:latin typeface="Times New Roman" pitchFamily="18" charset="0"/>
+              <a:cs typeface="Times New Roman" pitchFamily="18" charset="0"/>
+            </a:endParaRPr>
+          </a:p>
+        </p:txBody>
+      </p:sp>
+      <p:sp>
+        <p:nvSpPr>
+          <p:cNvPr id="133" name="Прямоугольник 132"/>
+          <p:cNvSpPr/>
+          <p:nvPr/>
+        </p:nvSpPr>
+        <p:spPr>
+          <a:xfrm>
+            <a:off x="214282" y="642918"/>
+            <a:ext cx="1428760" cy="285752"/>
+          </a:xfrm>
+          <a:prstGeom prst="rect">
+            <a:avLst/>
+          </a:prstGeom>
+        </p:spPr>
+        <p:style>
+          <a:lnRef idx="2">
+            <a:schemeClr val="accent2"/>
+          </a:lnRef>
+          <a:fillRef idx="1">
+            <a:schemeClr val="lt1"/>
+          </a:fillRef>
+          <a:effectRef idx="0">
+            <a:schemeClr val="accent2"/>
+          </a:effectRef>
+          <a:fontRef idx="minor">
+            <a:schemeClr val="dk1"/>
+          </a:fontRef>
+        </p:style>
+        <p:txBody>
+          <a:bodyPr rtlCol="0" anchor="ctr"/>
+          <a:lstStyle/>
+          <a:p>
+            <a:pPr algn="ctr"/>
+            <a:r>
+              <a:rPr lang="ru-RU" sz="1200" dirty="0" smtClean="0">
+                <a:latin typeface="Times New Roman" pitchFamily="18" charset="0"/>
+                <a:cs typeface="Times New Roman" pitchFamily="18" charset="0"/>
+              </a:rPr>
+              <a:t>пользователь</a:t>
+            </a:r>
+            <a:endParaRPr lang="ru-RU" sz="1200" dirty="0">
+              <a:latin typeface="Times New Roman" pitchFamily="18" charset="0"/>
+              <a:cs typeface="Times New Roman" pitchFamily="18" charset="0"/>
+            </a:endParaRPr>
+          </a:p>
+        </p:txBody>
+      </p:sp>
     </p:spTree>
   </p:cSld>
   <p:clrMapOvr>

--- a/Ch2OOP/tracker.pptx
+++ b/Ch2OOP/tracker.pptx
@@ -6197,7 +6197,7 @@
         </p:nvSpPr>
         <p:spPr>
           <a:xfrm>
-            <a:off x="214282" y="142852"/>
+            <a:off x="285720" y="142852"/>
             <a:ext cx="1428760" cy="285752"/>
           </a:xfrm>
           <a:prstGeom prst="rect">
@@ -6245,7 +6245,7 @@
         </p:nvSpPr>
         <p:spPr>
           <a:xfrm>
-            <a:off x="214282" y="642918"/>
+            <a:off x="285720" y="642918"/>
             <a:ext cx="1428760" cy="285752"/>
           </a:xfrm>
           <a:prstGeom prst="rect">
